--- a/templates/genericAward_template.pptx
+++ b/templates/genericAward_template.pptx
@@ -8,7 +8,7 @@
     <p:sldId id="256" r:id="rId3"/>
   </p:sldIdLst>
   <p:sldSz cx="9144000" cy="5143500"/>
-  <p:notesSz cx="6858000" cy="9144000"/>
+  <p:notesSz cx="7772400" cy="10058400"/>
 </p:presentation>
 </file>
 
@@ -53,7 +53,7 @@
       </p:grpSpPr>
       <p:sp>
         <p:nvSpPr>
-          <p:cNvPr id="22" name="PlaceHolder 1"/>
+          <p:cNvPr id="23" name="PlaceHolder 1"/>
           <p:cNvSpPr>
             <a:spLocks noGrp="1"/>
           </p:cNvSpPr>
@@ -64,7 +64,7 @@
         <p:spPr>
           <a:xfrm>
             <a:off x="311760" y="744480"/>
-            <a:ext cx="8519760" cy="2052000"/>
+            <a:ext cx="8519400" cy="2051640"/>
           </a:xfrm>
           <a:prstGeom prst="rect">
             <a:avLst/>
@@ -75,18 +75,16 @@
             <a:noAutofit/>
           </a:bodyPr>
           <a:p>
-            <a:endParaRPr b="0" lang="en-US" sz="1400" spc="-1" strike="noStrike">
-              <a:solidFill>
-                <a:srgbClr val="000000"/>
-              </a:solidFill>
-              <a:latin typeface="Arial"/>
-            </a:endParaRPr>
-          </a:p>
-        </p:txBody>
-      </p:sp>
-      <p:sp>
-        <p:nvSpPr>
-          <p:cNvPr id="23" name="PlaceHolder 2"/>
+            <a:pPr algn="ctr"/>
+            <a:endParaRPr b="0" lang="en-US" sz="4400" spc="-1" strike="noStrike">
+              <a:latin typeface="Arial"/>
+            </a:endParaRPr>
+          </a:p>
+        </p:txBody>
+      </p:sp>
+      <p:sp>
+        <p:nvSpPr>
+          <p:cNvPr id="24" name="PlaceHolder 2"/>
           <p:cNvSpPr>
             <a:spLocks noGrp="1"/>
           </p:cNvSpPr>
@@ -97,54 +95,48 @@
         <p:spPr>
           <a:xfrm>
             <a:off x="457200" y="1203480"/>
-            <a:ext cx="8229240" cy="1422720"/>
-          </a:xfrm>
-          <a:prstGeom prst="rect">
-            <a:avLst/>
-          </a:prstGeom>
-        </p:spPr>
-        <p:txBody>
-          <a:bodyPr lIns="0" rIns="0" tIns="0" bIns="0">
-            <a:normAutofit/>
-          </a:bodyPr>
-          <a:p>
-            <a:endParaRPr b="0" lang="en-US" sz="1400" spc="-1" strike="noStrike">
-              <a:solidFill>
-                <a:srgbClr val="000000"/>
-              </a:solidFill>
-              <a:latin typeface="Arial"/>
-            </a:endParaRPr>
-          </a:p>
-        </p:txBody>
-      </p:sp>
-      <p:sp>
-        <p:nvSpPr>
-          <p:cNvPr id="24" name="PlaceHolder 3"/>
-          <p:cNvSpPr>
-            <a:spLocks noGrp="1"/>
-          </p:cNvSpPr>
-          <p:nvPr>
-            <p:ph type="body"/>
-          </p:nvPr>
-        </p:nvSpPr>
-        <p:spPr>
-          <a:xfrm>
-            <a:off x="457200" y="2761920"/>
-            <a:ext cx="8229240" cy="1422720"/>
-          </a:xfrm>
-          <a:prstGeom prst="rect">
-            <a:avLst/>
-          </a:prstGeom>
-        </p:spPr>
-        <p:txBody>
-          <a:bodyPr lIns="0" rIns="0" tIns="0" bIns="0">
-            <a:normAutofit/>
-          </a:bodyPr>
-          <a:p>
-            <a:endParaRPr b="0" lang="en-US" sz="1400" spc="-1" strike="noStrike">
-              <a:solidFill>
-                <a:srgbClr val="000000"/>
-              </a:solidFill>
+            <a:ext cx="8228880" cy="1422360"/>
+          </a:xfrm>
+          <a:prstGeom prst="rect">
+            <a:avLst/>
+          </a:prstGeom>
+        </p:spPr>
+        <p:txBody>
+          <a:bodyPr lIns="0" rIns="0" tIns="0" bIns="0">
+            <a:normAutofit/>
+          </a:bodyPr>
+          <a:p>
+            <a:endParaRPr b="0" lang="en-US" sz="3200" spc="-1" strike="noStrike">
+              <a:latin typeface="Arial"/>
+            </a:endParaRPr>
+          </a:p>
+        </p:txBody>
+      </p:sp>
+      <p:sp>
+        <p:nvSpPr>
+          <p:cNvPr id="25" name="PlaceHolder 3"/>
+          <p:cNvSpPr>
+            <a:spLocks noGrp="1"/>
+          </p:cNvSpPr>
+          <p:nvPr>
+            <p:ph type="body"/>
+          </p:nvPr>
+        </p:nvSpPr>
+        <p:spPr>
+          <a:xfrm>
+            <a:off x="457200" y="2761200"/>
+            <a:ext cx="8228880" cy="1422360"/>
+          </a:xfrm>
+          <a:prstGeom prst="rect">
+            <a:avLst/>
+          </a:prstGeom>
+        </p:spPr>
+        <p:txBody>
+          <a:bodyPr lIns="0" rIns="0" tIns="0" bIns="0">
+            <a:normAutofit/>
+          </a:bodyPr>
+          <a:p>
+            <a:endParaRPr b="0" lang="en-US" sz="3200" spc="-1" strike="noStrike">
               <a:latin typeface="Arial"/>
             </a:endParaRPr>
           </a:p>
@@ -174,7 +166,7 @@
       </p:grpSpPr>
       <p:sp>
         <p:nvSpPr>
-          <p:cNvPr id="25" name="PlaceHolder 1"/>
+          <p:cNvPr id="26" name="PlaceHolder 1"/>
           <p:cNvSpPr>
             <a:spLocks noGrp="1"/>
           </p:cNvSpPr>
@@ -185,7 +177,7 @@
         <p:spPr>
           <a:xfrm>
             <a:off x="311760" y="744480"/>
-            <a:ext cx="8519760" cy="2052000"/>
+            <a:ext cx="8519400" cy="2051640"/>
           </a:xfrm>
           <a:prstGeom prst="rect">
             <a:avLst/>
@@ -196,18 +188,16 @@
             <a:noAutofit/>
           </a:bodyPr>
           <a:p>
-            <a:endParaRPr b="0" lang="en-US" sz="1400" spc="-1" strike="noStrike">
-              <a:solidFill>
-                <a:srgbClr val="000000"/>
-              </a:solidFill>
-              <a:latin typeface="Arial"/>
-            </a:endParaRPr>
-          </a:p>
-        </p:txBody>
-      </p:sp>
-      <p:sp>
-        <p:nvSpPr>
-          <p:cNvPr id="26" name="PlaceHolder 2"/>
+            <a:pPr algn="ctr"/>
+            <a:endParaRPr b="0" lang="en-US" sz="4400" spc="-1" strike="noStrike">
+              <a:latin typeface="Arial"/>
+            </a:endParaRPr>
+          </a:p>
+        </p:txBody>
+      </p:sp>
+      <p:sp>
+        <p:nvSpPr>
+          <p:cNvPr id="27" name="PlaceHolder 2"/>
           <p:cNvSpPr>
             <a:spLocks noGrp="1"/>
           </p:cNvSpPr>
@@ -218,120 +208,108 @@
         <p:spPr>
           <a:xfrm>
             <a:off x="457200" y="1203480"/>
-            <a:ext cx="4015800" cy="1422720"/>
-          </a:xfrm>
-          <a:prstGeom prst="rect">
-            <a:avLst/>
-          </a:prstGeom>
-        </p:spPr>
-        <p:txBody>
-          <a:bodyPr lIns="0" rIns="0" tIns="0" bIns="0">
-            <a:normAutofit/>
-          </a:bodyPr>
-          <a:p>
-            <a:endParaRPr b="0" lang="en-US" sz="1400" spc="-1" strike="noStrike">
-              <a:solidFill>
-                <a:srgbClr val="000000"/>
-              </a:solidFill>
-              <a:latin typeface="Arial"/>
-            </a:endParaRPr>
-          </a:p>
-        </p:txBody>
-      </p:sp>
-      <p:sp>
-        <p:nvSpPr>
-          <p:cNvPr id="27" name="PlaceHolder 3"/>
-          <p:cNvSpPr>
-            <a:spLocks noGrp="1"/>
-          </p:cNvSpPr>
-          <p:nvPr>
-            <p:ph type="body"/>
-          </p:nvPr>
-        </p:nvSpPr>
-        <p:spPr>
-          <a:xfrm>
-            <a:off x="4674240" y="1203480"/>
-            <a:ext cx="4015800" cy="1422720"/>
-          </a:xfrm>
-          <a:prstGeom prst="rect">
-            <a:avLst/>
-          </a:prstGeom>
-        </p:spPr>
-        <p:txBody>
-          <a:bodyPr lIns="0" rIns="0" tIns="0" bIns="0">
-            <a:normAutofit/>
-          </a:bodyPr>
-          <a:p>
-            <a:endParaRPr b="0" lang="en-US" sz="1400" spc="-1" strike="noStrike">
-              <a:solidFill>
-                <a:srgbClr val="000000"/>
-              </a:solidFill>
-              <a:latin typeface="Arial"/>
-            </a:endParaRPr>
-          </a:p>
-        </p:txBody>
-      </p:sp>
-      <p:sp>
-        <p:nvSpPr>
-          <p:cNvPr id="28" name="PlaceHolder 4"/>
-          <p:cNvSpPr>
-            <a:spLocks noGrp="1"/>
-          </p:cNvSpPr>
-          <p:nvPr>
-            <p:ph type="body"/>
-          </p:nvPr>
-        </p:nvSpPr>
-        <p:spPr>
-          <a:xfrm>
-            <a:off x="457200" y="2761920"/>
-            <a:ext cx="4015800" cy="1422720"/>
-          </a:xfrm>
-          <a:prstGeom prst="rect">
-            <a:avLst/>
-          </a:prstGeom>
-        </p:spPr>
-        <p:txBody>
-          <a:bodyPr lIns="0" rIns="0" tIns="0" bIns="0">
-            <a:normAutofit/>
-          </a:bodyPr>
-          <a:p>
-            <a:endParaRPr b="0" lang="en-US" sz="1400" spc="-1" strike="noStrike">
-              <a:solidFill>
-                <a:srgbClr val="000000"/>
-              </a:solidFill>
-              <a:latin typeface="Arial"/>
-            </a:endParaRPr>
-          </a:p>
-        </p:txBody>
-      </p:sp>
-      <p:sp>
-        <p:nvSpPr>
-          <p:cNvPr id="29" name="PlaceHolder 5"/>
-          <p:cNvSpPr>
-            <a:spLocks noGrp="1"/>
-          </p:cNvSpPr>
-          <p:nvPr>
-            <p:ph type="body"/>
-          </p:nvPr>
-        </p:nvSpPr>
-        <p:spPr>
-          <a:xfrm>
-            <a:off x="4674240" y="2761920"/>
-            <a:ext cx="4015800" cy="1422720"/>
-          </a:xfrm>
-          <a:prstGeom prst="rect">
-            <a:avLst/>
-          </a:prstGeom>
-        </p:spPr>
-        <p:txBody>
-          <a:bodyPr lIns="0" rIns="0" tIns="0" bIns="0">
-            <a:normAutofit/>
-          </a:bodyPr>
-          <a:p>
-            <a:endParaRPr b="0" lang="en-US" sz="1400" spc="-1" strike="noStrike">
-              <a:solidFill>
-                <a:srgbClr val="000000"/>
-              </a:solidFill>
+            <a:ext cx="4015440" cy="1422360"/>
+          </a:xfrm>
+          <a:prstGeom prst="rect">
+            <a:avLst/>
+          </a:prstGeom>
+        </p:spPr>
+        <p:txBody>
+          <a:bodyPr lIns="0" rIns="0" tIns="0" bIns="0">
+            <a:normAutofit/>
+          </a:bodyPr>
+          <a:p>
+            <a:endParaRPr b="0" lang="en-US" sz="3200" spc="-1" strike="noStrike">
+              <a:latin typeface="Arial"/>
+            </a:endParaRPr>
+          </a:p>
+        </p:txBody>
+      </p:sp>
+      <p:sp>
+        <p:nvSpPr>
+          <p:cNvPr id="28" name="PlaceHolder 3"/>
+          <p:cNvSpPr>
+            <a:spLocks noGrp="1"/>
+          </p:cNvSpPr>
+          <p:nvPr>
+            <p:ph type="body"/>
+          </p:nvPr>
+        </p:nvSpPr>
+        <p:spPr>
+          <a:xfrm>
+            <a:off x="4673880" y="1203480"/>
+            <a:ext cx="4015440" cy="1422360"/>
+          </a:xfrm>
+          <a:prstGeom prst="rect">
+            <a:avLst/>
+          </a:prstGeom>
+        </p:spPr>
+        <p:txBody>
+          <a:bodyPr lIns="0" rIns="0" tIns="0" bIns="0">
+            <a:normAutofit/>
+          </a:bodyPr>
+          <a:p>
+            <a:endParaRPr b="0" lang="en-US" sz="3200" spc="-1" strike="noStrike">
+              <a:latin typeface="Arial"/>
+            </a:endParaRPr>
+          </a:p>
+        </p:txBody>
+      </p:sp>
+      <p:sp>
+        <p:nvSpPr>
+          <p:cNvPr id="29" name="PlaceHolder 4"/>
+          <p:cNvSpPr>
+            <a:spLocks noGrp="1"/>
+          </p:cNvSpPr>
+          <p:nvPr>
+            <p:ph type="body"/>
+          </p:nvPr>
+        </p:nvSpPr>
+        <p:spPr>
+          <a:xfrm>
+            <a:off x="457200" y="2761200"/>
+            <a:ext cx="4015440" cy="1422360"/>
+          </a:xfrm>
+          <a:prstGeom prst="rect">
+            <a:avLst/>
+          </a:prstGeom>
+        </p:spPr>
+        <p:txBody>
+          <a:bodyPr lIns="0" rIns="0" tIns="0" bIns="0">
+            <a:normAutofit/>
+          </a:bodyPr>
+          <a:p>
+            <a:endParaRPr b="0" lang="en-US" sz="3200" spc="-1" strike="noStrike">
+              <a:latin typeface="Arial"/>
+            </a:endParaRPr>
+          </a:p>
+        </p:txBody>
+      </p:sp>
+      <p:sp>
+        <p:nvSpPr>
+          <p:cNvPr id="30" name="PlaceHolder 5"/>
+          <p:cNvSpPr>
+            <a:spLocks noGrp="1"/>
+          </p:cNvSpPr>
+          <p:nvPr>
+            <p:ph type="body"/>
+          </p:nvPr>
+        </p:nvSpPr>
+        <p:spPr>
+          <a:xfrm>
+            <a:off x="4673880" y="2761200"/>
+            <a:ext cx="4015440" cy="1422360"/>
+          </a:xfrm>
+          <a:prstGeom prst="rect">
+            <a:avLst/>
+          </a:prstGeom>
+        </p:spPr>
+        <p:txBody>
+          <a:bodyPr lIns="0" rIns="0" tIns="0" bIns="0">
+            <a:normAutofit/>
+          </a:bodyPr>
+          <a:p>
+            <a:endParaRPr b="0" lang="en-US" sz="3200" spc="-1" strike="noStrike">
               <a:latin typeface="Arial"/>
             </a:endParaRPr>
           </a:p>
@@ -361,7 +339,7 @@
       </p:grpSpPr>
       <p:sp>
         <p:nvSpPr>
-          <p:cNvPr id="30" name="PlaceHolder 1"/>
+          <p:cNvPr id="31" name="PlaceHolder 1"/>
           <p:cNvSpPr>
             <a:spLocks noGrp="1"/>
           </p:cNvSpPr>
@@ -372,7 +350,7 @@
         <p:spPr>
           <a:xfrm>
             <a:off x="311760" y="744480"/>
-            <a:ext cx="8519760" cy="2052000"/>
+            <a:ext cx="8519400" cy="2051640"/>
           </a:xfrm>
           <a:prstGeom prst="rect">
             <a:avLst/>
@@ -383,18 +361,16 @@
             <a:noAutofit/>
           </a:bodyPr>
           <a:p>
-            <a:endParaRPr b="0" lang="en-US" sz="1400" spc="-1" strike="noStrike">
-              <a:solidFill>
-                <a:srgbClr val="000000"/>
-              </a:solidFill>
-              <a:latin typeface="Arial"/>
-            </a:endParaRPr>
-          </a:p>
-        </p:txBody>
-      </p:sp>
-      <p:sp>
-        <p:nvSpPr>
-          <p:cNvPr id="31" name="PlaceHolder 2"/>
+            <a:pPr algn="ctr"/>
+            <a:endParaRPr b="0" lang="en-US" sz="4400" spc="-1" strike="noStrike">
+              <a:latin typeface="Arial"/>
+            </a:endParaRPr>
+          </a:p>
+        </p:txBody>
+      </p:sp>
+      <p:sp>
+        <p:nvSpPr>
+          <p:cNvPr id="32" name="PlaceHolder 2"/>
           <p:cNvSpPr>
             <a:spLocks noGrp="1"/>
           </p:cNvSpPr>
@@ -405,29 +381,26 @@
         <p:spPr>
           <a:xfrm>
             <a:off x="457200" y="1203480"/>
-            <a:ext cx="2649600" cy="1422720"/>
-          </a:xfrm>
-          <a:prstGeom prst="rect">
-            <a:avLst/>
-          </a:prstGeom>
-        </p:spPr>
-        <p:txBody>
-          <a:bodyPr lIns="0" rIns="0" tIns="0" bIns="0">
-            <a:normAutofit/>
-          </a:bodyPr>
-          <a:p>
-            <a:endParaRPr b="0" lang="en-US" sz="1400" spc="-1" strike="noStrike">
-              <a:solidFill>
-                <a:srgbClr val="000000"/>
-              </a:solidFill>
-              <a:latin typeface="Arial"/>
-            </a:endParaRPr>
-          </a:p>
-        </p:txBody>
-      </p:sp>
-      <p:sp>
-        <p:nvSpPr>
-          <p:cNvPr id="32" name="PlaceHolder 3"/>
+            <a:ext cx="2649600" cy="1422360"/>
+          </a:xfrm>
+          <a:prstGeom prst="rect">
+            <a:avLst/>
+          </a:prstGeom>
+        </p:spPr>
+        <p:txBody>
+          <a:bodyPr lIns="0" rIns="0" tIns="0" bIns="0">
+            <a:normAutofit/>
+          </a:bodyPr>
+          <a:p>
+            <a:endParaRPr b="0" lang="en-US" sz="3200" spc="-1" strike="noStrike">
+              <a:latin typeface="Arial"/>
+            </a:endParaRPr>
+          </a:p>
+        </p:txBody>
+      </p:sp>
+      <p:sp>
+        <p:nvSpPr>
+          <p:cNvPr id="33" name="PlaceHolder 3"/>
           <p:cNvSpPr>
             <a:spLocks noGrp="1"/>
           </p:cNvSpPr>
@@ -438,29 +411,26 @@
         <p:spPr>
           <a:xfrm>
             <a:off x="3239640" y="1203480"/>
-            <a:ext cx="2649600" cy="1422720"/>
-          </a:xfrm>
-          <a:prstGeom prst="rect">
-            <a:avLst/>
-          </a:prstGeom>
-        </p:spPr>
-        <p:txBody>
-          <a:bodyPr lIns="0" rIns="0" tIns="0" bIns="0">
-            <a:normAutofit/>
-          </a:bodyPr>
-          <a:p>
-            <a:endParaRPr b="0" lang="en-US" sz="1400" spc="-1" strike="noStrike">
-              <a:solidFill>
-                <a:srgbClr val="000000"/>
-              </a:solidFill>
-              <a:latin typeface="Arial"/>
-            </a:endParaRPr>
-          </a:p>
-        </p:txBody>
-      </p:sp>
-      <p:sp>
-        <p:nvSpPr>
-          <p:cNvPr id="33" name="PlaceHolder 4"/>
+            <a:ext cx="2649600" cy="1422360"/>
+          </a:xfrm>
+          <a:prstGeom prst="rect">
+            <a:avLst/>
+          </a:prstGeom>
+        </p:spPr>
+        <p:txBody>
+          <a:bodyPr lIns="0" rIns="0" tIns="0" bIns="0">
+            <a:normAutofit/>
+          </a:bodyPr>
+          <a:p>
+            <a:endParaRPr b="0" lang="en-US" sz="3200" spc="-1" strike="noStrike">
+              <a:latin typeface="Arial"/>
+            </a:endParaRPr>
+          </a:p>
+        </p:txBody>
+      </p:sp>
+      <p:sp>
+        <p:nvSpPr>
+          <p:cNvPr id="34" name="PlaceHolder 4"/>
           <p:cNvSpPr>
             <a:spLocks noGrp="1"/>
           </p:cNvSpPr>
@@ -471,120 +441,108 @@
         <p:spPr>
           <a:xfrm>
             <a:off x="6022080" y="1203480"/>
-            <a:ext cx="2649600" cy="1422720"/>
-          </a:xfrm>
-          <a:prstGeom prst="rect">
-            <a:avLst/>
-          </a:prstGeom>
-        </p:spPr>
-        <p:txBody>
-          <a:bodyPr lIns="0" rIns="0" tIns="0" bIns="0">
-            <a:normAutofit/>
-          </a:bodyPr>
-          <a:p>
-            <a:endParaRPr b="0" lang="en-US" sz="1400" spc="-1" strike="noStrike">
-              <a:solidFill>
-                <a:srgbClr val="000000"/>
-              </a:solidFill>
-              <a:latin typeface="Arial"/>
-            </a:endParaRPr>
-          </a:p>
-        </p:txBody>
-      </p:sp>
-      <p:sp>
-        <p:nvSpPr>
-          <p:cNvPr id="34" name="PlaceHolder 5"/>
-          <p:cNvSpPr>
-            <a:spLocks noGrp="1"/>
-          </p:cNvSpPr>
-          <p:nvPr>
-            <p:ph type="body"/>
-          </p:nvPr>
-        </p:nvSpPr>
-        <p:spPr>
-          <a:xfrm>
-            <a:off x="457200" y="2761920"/>
-            <a:ext cx="2649600" cy="1422720"/>
-          </a:xfrm>
-          <a:prstGeom prst="rect">
-            <a:avLst/>
-          </a:prstGeom>
-        </p:spPr>
-        <p:txBody>
-          <a:bodyPr lIns="0" rIns="0" tIns="0" bIns="0">
-            <a:normAutofit/>
-          </a:bodyPr>
-          <a:p>
-            <a:endParaRPr b="0" lang="en-US" sz="1400" spc="-1" strike="noStrike">
-              <a:solidFill>
-                <a:srgbClr val="000000"/>
-              </a:solidFill>
-              <a:latin typeface="Arial"/>
-            </a:endParaRPr>
-          </a:p>
-        </p:txBody>
-      </p:sp>
-      <p:sp>
-        <p:nvSpPr>
-          <p:cNvPr id="35" name="PlaceHolder 6"/>
-          <p:cNvSpPr>
-            <a:spLocks noGrp="1"/>
-          </p:cNvSpPr>
-          <p:nvPr>
-            <p:ph type="body"/>
-          </p:nvPr>
-        </p:nvSpPr>
-        <p:spPr>
-          <a:xfrm>
-            <a:off x="3239640" y="2761920"/>
-            <a:ext cx="2649600" cy="1422720"/>
-          </a:xfrm>
-          <a:prstGeom prst="rect">
-            <a:avLst/>
-          </a:prstGeom>
-        </p:spPr>
-        <p:txBody>
-          <a:bodyPr lIns="0" rIns="0" tIns="0" bIns="0">
-            <a:normAutofit/>
-          </a:bodyPr>
-          <a:p>
-            <a:endParaRPr b="0" lang="en-US" sz="1400" spc="-1" strike="noStrike">
-              <a:solidFill>
-                <a:srgbClr val="000000"/>
-              </a:solidFill>
-              <a:latin typeface="Arial"/>
-            </a:endParaRPr>
-          </a:p>
-        </p:txBody>
-      </p:sp>
-      <p:sp>
-        <p:nvSpPr>
-          <p:cNvPr id="36" name="PlaceHolder 7"/>
-          <p:cNvSpPr>
-            <a:spLocks noGrp="1"/>
-          </p:cNvSpPr>
-          <p:nvPr>
-            <p:ph type="body"/>
-          </p:nvPr>
-        </p:nvSpPr>
-        <p:spPr>
-          <a:xfrm>
-            <a:off x="6022080" y="2761920"/>
-            <a:ext cx="2649600" cy="1422720"/>
-          </a:xfrm>
-          <a:prstGeom prst="rect">
-            <a:avLst/>
-          </a:prstGeom>
-        </p:spPr>
-        <p:txBody>
-          <a:bodyPr lIns="0" rIns="0" tIns="0" bIns="0">
-            <a:normAutofit/>
-          </a:bodyPr>
-          <a:p>
-            <a:endParaRPr b="0" lang="en-US" sz="1400" spc="-1" strike="noStrike">
-              <a:solidFill>
-                <a:srgbClr val="000000"/>
-              </a:solidFill>
+            <a:ext cx="2649600" cy="1422360"/>
+          </a:xfrm>
+          <a:prstGeom prst="rect">
+            <a:avLst/>
+          </a:prstGeom>
+        </p:spPr>
+        <p:txBody>
+          <a:bodyPr lIns="0" rIns="0" tIns="0" bIns="0">
+            <a:normAutofit/>
+          </a:bodyPr>
+          <a:p>
+            <a:endParaRPr b="0" lang="en-US" sz="3200" spc="-1" strike="noStrike">
+              <a:latin typeface="Arial"/>
+            </a:endParaRPr>
+          </a:p>
+        </p:txBody>
+      </p:sp>
+      <p:sp>
+        <p:nvSpPr>
+          <p:cNvPr id="35" name="PlaceHolder 5"/>
+          <p:cNvSpPr>
+            <a:spLocks noGrp="1"/>
+          </p:cNvSpPr>
+          <p:nvPr>
+            <p:ph type="body"/>
+          </p:nvPr>
+        </p:nvSpPr>
+        <p:spPr>
+          <a:xfrm>
+            <a:off x="457200" y="2761200"/>
+            <a:ext cx="2649600" cy="1422360"/>
+          </a:xfrm>
+          <a:prstGeom prst="rect">
+            <a:avLst/>
+          </a:prstGeom>
+        </p:spPr>
+        <p:txBody>
+          <a:bodyPr lIns="0" rIns="0" tIns="0" bIns="0">
+            <a:normAutofit/>
+          </a:bodyPr>
+          <a:p>
+            <a:endParaRPr b="0" lang="en-US" sz="3200" spc="-1" strike="noStrike">
+              <a:latin typeface="Arial"/>
+            </a:endParaRPr>
+          </a:p>
+        </p:txBody>
+      </p:sp>
+      <p:sp>
+        <p:nvSpPr>
+          <p:cNvPr id="36" name="PlaceHolder 6"/>
+          <p:cNvSpPr>
+            <a:spLocks noGrp="1"/>
+          </p:cNvSpPr>
+          <p:nvPr>
+            <p:ph type="body"/>
+          </p:nvPr>
+        </p:nvSpPr>
+        <p:spPr>
+          <a:xfrm>
+            <a:off x="3239640" y="2761200"/>
+            <a:ext cx="2649600" cy="1422360"/>
+          </a:xfrm>
+          <a:prstGeom prst="rect">
+            <a:avLst/>
+          </a:prstGeom>
+        </p:spPr>
+        <p:txBody>
+          <a:bodyPr lIns="0" rIns="0" tIns="0" bIns="0">
+            <a:normAutofit/>
+          </a:bodyPr>
+          <a:p>
+            <a:endParaRPr b="0" lang="en-US" sz="3200" spc="-1" strike="noStrike">
+              <a:latin typeface="Arial"/>
+            </a:endParaRPr>
+          </a:p>
+        </p:txBody>
+      </p:sp>
+      <p:sp>
+        <p:nvSpPr>
+          <p:cNvPr id="37" name="PlaceHolder 7"/>
+          <p:cNvSpPr>
+            <a:spLocks noGrp="1"/>
+          </p:cNvSpPr>
+          <p:nvPr>
+            <p:ph type="body"/>
+          </p:nvPr>
+        </p:nvSpPr>
+        <p:spPr>
+          <a:xfrm>
+            <a:off x="6022080" y="2761200"/>
+            <a:ext cx="2649600" cy="1422360"/>
+          </a:xfrm>
+          <a:prstGeom prst="rect">
+            <a:avLst/>
+          </a:prstGeom>
+        </p:spPr>
+        <p:txBody>
+          <a:bodyPr lIns="0" rIns="0" tIns="0" bIns="0">
+            <a:normAutofit/>
+          </a:bodyPr>
+          <a:p>
+            <a:endParaRPr b="0" lang="en-US" sz="3200" spc="-1" strike="noStrike">
               <a:latin typeface="Arial"/>
             </a:endParaRPr>
           </a:p>
@@ -614,7 +572,7 @@
       </p:grpSpPr>
       <p:sp>
         <p:nvSpPr>
-          <p:cNvPr id="1" name="PlaceHolder 1"/>
+          <p:cNvPr id="2" name="PlaceHolder 1"/>
           <p:cNvSpPr>
             <a:spLocks noGrp="1"/>
           </p:cNvSpPr>
@@ -625,7 +583,7 @@
         <p:spPr>
           <a:xfrm>
             <a:off x="311760" y="744480"/>
-            <a:ext cx="8519760" cy="2052000"/>
+            <a:ext cx="8519400" cy="2051640"/>
           </a:xfrm>
           <a:prstGeom prst="rect">
             <a:avLst/>
@@ -636,18 +594,16 @@
             <a:noAutofit/>
           </a:bodyPr>
           <a:p>
-            <a:endParaRPr b="0" lang="en-US" sz="1400" spc="-1" strike="noStrike">
-              <a:solidFill>
-                <a:srgbClr val="000000"/>
-              </a:solidFill>
-              <a:latin typeface="Arial"/>
-            </a:endParaRPr>
-          </a:p>
-        </p:txBody>
-      </p:sp>
-      <p:sp>
-        <p:nvSpPr>
-          <p:cNvPr id="2" name="PlaceHolder 2"/>
+            <a:pPr algn="ctr"/>
+            <a:endParaRPr b="0" lang="en-US" sz="4400" spc="-1" strike="noStrike">
+              <a:latin typeface="Arial"/>
+            </a:endParaRPr>
+          </a:p>
+        </p:txBody>
+      </p:sp>
+      <p:sp>
+        <p:nvSpPr>
+          <p:cNvPr id="3" name="PlaceHolder 2"/>
           <p:cNvSpPr>
             <a:spLocks noGrp="1"/>
           </p:cNvSpPr>
@@ -658,7 +614,7 @@
         <p:spPr>
           <a:xfrm>
             <a:off x="457200" y="1203480"/>
-            <a:ext cx="8229240" cy="2982960"/>
+            <a:ext cx="8228880" cy="2982600"/>
           </a:xfrm>
           <a:prstGeom prst="rect">
             <a:avLst/>
@@ -700,7 +656,7 @@
       </p:grpSpPr>
       <p:sp>
         <p:nvSpPr>
-          <p:cNvPr id="3" name="PlaceHolder 1"/>
+          <p:cNvPr id="4" name="PlaceHolder 1"/>
           <p:cNvSpPr>
             <a:spLocks noGrp="1"/>
           </p:cNvSpPr>
@@ -711,7 +667,7 @@
         <p:spPr>
           <a:xfrm>
             <a:off x="311760" y="744480"/>
-            <a:ext cx="8519760" cy="2052000"/>
+            <a:ext cx="8519400" cy="2051640"/>
           </a:xfrm>
           <a:prstGeom prst="rect">
             <a:avLst/>
@@ -722,18 +678,16 @@
             <a:noAutofit/>
           </a:bodyPr>
           <a:p>
-            <a:endParaRPr b="0" lang="en-US" sz="1400" spc="-1" strike="noStrike">
-              <a:solidFill>
-                <a:srgbClr val="000000"/>
-              </a:solidFill>
-              <a:latin typeface="Arial"/>
-            </a:endParaRPr>
-          </a:p>
-        </p:txBody>
-      </p:sp>
-      <p:sp>
-        <p:nvSpPr>
-          <p:cNvPr id="4" name="PlaceHolder 2"/>
+            <a:pPr algn="ctr"/>
+            <a:endParaRPr b="0" lang="en-US" sz="4400" spc="-1" strike="noStrike">
+              <a:latin typeface="Arial"/>
+            </a:endParaRPr>
+          </a:p>
+        </p:txBody>
+      </p:sp>
+      <p:sp>
+        <p:nvSpPr>
+          <p:cNvPr id="5" name="PlaceHolder 2"/>
           <p:cNvSpPr>
             <a:spLocks noGrp="1"/>
           </p:cNvSpPr>
@@ -744,21 +698,18 @@
         <p:spPr>
           <a:xfrm>
             <a:off x="457200" y="1203480"/>
-            <a:ext cx="8229240" cy="2982960"/>
-          </a:xfrm>
-          <a:prstGeom prst="rect">
-            <a:avLst/>
-          </a:prstGeom>
-        </p:spPr>
-        <p:txBody>
-          <a:bodyPr lIns="0" rIns="0" tIns="0" bIns="0">
-            <a:normAutofit/>
-          </a:bodyPr>
-          <a:p>
-            <a:endParaRPr b="0" lang="en-US" sz="1400" spc="-1" strike="noStrike">
-              <a:solidFill>
-                <a:srgbClr val="000000"/>
-              </a:solidFill>
+            <a:ext cx="8228880" cy="2982600"/>
+          </a:xfrm>
+          <a:prstGeom prst="rect">
+            <a:avLst/>
+          </a:prstGeom>
+        </p:spPr>
+        <p:txBody>
+          <a:bodyPr lIns="0" rIns="0" tIns="0" bIns="0">
+            <a:normAutofit/>
+          </a:bodyPr>
+          <a:p>
+            <a:endParaRPr b="0" lang="en-US" sz="3200" spc="-1" strike="noStrike">
               <a:latin typeface="Arial"/>
             </a:endParaRPr>
           </a:p>
@@ -788,7 +739,7 @@
       </p:grpSpPr>
       <p:sp>
         <p:nvSpPr>
-          <p:cNvPr id="5" name="PlaceHolder 1"/>
+          <p:cNvPr id="6" name="PlaceHolder 1"/>
           <p:cNvSpPr>
             <a:spLocks noGrp="1"/>
           </p:cNvSpPr>
@@ -799,7 +750,7 @@
         <p:spPr>
           <a:xfrm>
             <a:off x="311760" y="744480"/>
-            <a:ext cx="8519760" cy="2052000"/>
+            <a:ext cx="8519400" cy="2051640"/>
           </a:xfrm>
           <a:prstGeom prst="rect">
             <a:avLst/>
@@ -810,18 +761,16 @@
             <a:noAutofit/>
           </a:bodyPr>
           <a:p>
-            <a:endParaRPr b="0" lang="en-US" sz="1400" spc="-1" strike="noStrike">
-              <a:solidFill>
-                <a:srgbClr val="000000"/>
-              </a:solidFill>
-              <a:latin typeface="Arial"/>
-            </a:endParaRPr>
-          </a:p>
-        </p:txBody>
-      </p:sp>
-      <p:sp>
-        <p:nvSpPr>
-          <p:cNvPr id="6" name="PlaceHolder 2"/>
+            <a:pPr algn="ctr"/>
+            <a:endParaRPr b="0" lang="en-US" sz="4400" spc="-1" strike="noStrike">
+              <a:latin typeface="Arial"/>
+            </a:endParaRPr>
+          </a:p>
+        </p:txBody>
+      </p:sp>
+      <p:sp>
+        <p:nvSpPr>
+          <p:cNvPr id="7" name="PlaceHolder 2"/>
           <p:cNvSpPr>
             <a:spLocks noGrp="1"/>
           </p:cNvSpPr>
@@ -832,54 +781,48 @@
         <p:spPr>
           <a:xfrm>
             <a:off x="457200" y="1203480"/>
-            <a:ext cx="4015800" cy="2982960"/>
-          </a:xfrm>
-          <a:prstGeom prst="rect">
-            <a:avLst/>
-          </a:prstGeom>
-        </p:spPr>
-        <p:txBody>
-          <a:bodyPr lIns="0" rIns="0" tIns="0" bIns="0">
-            <a:normAutofit/>
-          </a:bodyPr>
-          <a:p>
-            <a:endParaRPr b="0" lang="en-US" sz="1400" spc="-1" strike="noStrike">
-              <a:solidFill>
-                <a:srgbClr val="000000"/>
-              </a:solidFill>
-              <a:latin typeface="Arial"/>
-            </a:endParaRPr>
-          </a:p>
-        </p:txBody>
-      </p:sp>
-      <p:sp>
-        <p:nvSpPr>
-          <p:cNvPr id="7" name="PlaceHolder 3"/>
-          <p:cNvSpPr>
-            <a:spLocks noGrp="1"/>
-          </p:cNvSpPr>
-          <p:nvPr>
-            <p:ph type="body"/>
-          </p:nvPr>
-        </p:nvSpPr>
-        <p:spPr>
-          <a:xfrm>
-            <a:off x="4674240" y="1203480"/>
-            <a:ext cx="4015800" cy="2982960"/>
-          </a:xfrm>
-          <a:prstGeom prst="rect">
-            <a:avLst/>
-          </a:prstGeom>
-        </p:spPr>
-        <p:txBody>
-          <a:bodyPr lIns="0" rIns="0" tIns="0" bIns="0">
-            <a:normAutofit/>
-          </a:bodyPr>
-          <a:p>
-            <a:endParaRPr b="0" lang="en-US" sz="1400" spc="-1" strike="noStrike">
-              <a:solidFill>
-                <a:srgbClr val="000000"/>
-              </a:solidFill>
+            <a:ext cx="4015440" cy="2982600"/>
+          </a:xfrm>
+          <a:prstGeom prst="rect">
+            <a:avLst/>
+          </a:prstGeom>
+        </p:spPr>
+        <p:txBody>
+          <a:bodyPr lIns="0" rIns="0" tIns="0" bIns="0">
+            <a:normAutofit/>
+          </a:bodyPr>
+          <a:p>
+            <a:endParaRPr b="0" lang="en-US" sz="3200" spc="-1" strike="noStrike">
+              <a:latin typeface="Arial"/>
+            </a:endParaRPr>
+          </a:p>
+        </p:txBody>
+      </p:sp>
+      <p:sp>
+        <p:nvSpPr>
+          <p:cNvPr id="8" name="PlaceHolder 3"/>
+          <p:cNvSpPr>
+            <a:spLocks noGrp="1"/>
+          </p:cNvSpPr>
+          <p:nvPr>
+            <p:ph type="body"/>
+          </p:nvPr>
+        </p:nvSpPr>
+        <p:spPr>
+          <a:xfrm>
+            <a:off x="4673880" y="1203480"/>
+            <a:ext cx="4015440" cy="2982600"/>
+          </a:xfrm>
+          <a:prstGeom prst="rect">
+            <a:avLst/>
+          </a:prstGeom>
+        </p:spPr>
+        <p:txBody>
+          <a:bodyPr lIns="0" rIns="0" tIns="0" bIns="0">
+            <a:normAutofit/>
+          </a:bodyPr>
+          <a:p>
+            <a:endParaRPr b="0" lang="en-US" sz="3200" spc="-1" strike="noStrike">
               <a:latin typeface="Arial"/>
             </a:endParaRPr>
           </a:p>
@@ -909,7 +852,7 @@
       </p:grpSpPr>
       <p:sp>
         <p:nvSpPr>
-          <p:cNvPr id="8" name="PlaceHolder 1"/>
+          <p:cNvPr id="9" name="PlaceHolder 1"/>
           <p:cNvSpPr>
             <a:spLocks noGrp="1"/>
           </p:cNvSpPr>
@@ -920,7 +863,7 @@
         <p:spPr>
           <a:xfrm>
             <a:off x="311760" y="744480"/>
-            <a:ext cx="8519760" cy="2052000"/>
+            <a:ext cx="8519400" cy="2051640"/>
           </a:xfrm>
           <a:prstGeom prst="rect">
             <a:avLst/>
@@ -931,10 +874,8 @@
             <a:noAutofit/>
           </a:bodyPr>
           <a:p>
-            <a:endParaRPr b="0" lang="en-US" sz="1400" spc="-1" strike="noStrike">
-              <a:solidFill>
-                <a:srgbClr val="000000"/>
-              </a:solidFill>
+            <a:pPr algn="ctr"/>
+            <a:endParaRPr b="0" lang="en-US" sz="4400" spc="-1" strike="noStrike">
               <a:latin typeface="Arial"/>
             </a:endParaRPr>
           </a:p>
@@ -964,7 +905,7 @@
       </p:grpSpPr>
       <p:sp>
         <p:nvSpPr>
-          <p:cNvPr id="9" name="PlaceHolder 1"/>
+          <p:cNvPr id="10" name="PlaceHolder 1"/>
           <p:cNvSpPr>
             <a:spLocks noGrp="1"/>
           </p:cNvSpPr>
@@ -975,7 +916,7 @@
         <p:spPr>
           <a:xfrm>
             <a:off x="311760" y="744480"/>
-            <a:ext cx="8519760" cy="9513000"/>
+            <a:ext cx="8519400" cy="9511560"/>
           </a:xfrm>
           <a:prstGeom prst="rect">
             <a:avLst/>
@@ -1017,7 +958,7 @@
       </p:grpSpPr>
       <p:sp>
         <p:nvSpPr>
-          <p:cNvPr id="10" name="PlaceHolder 1"/>
+          <p:cNvPr id="11" name="PlaceHolder 1"/>
           <p:cNvSpPr>
             <a:spLocks noGrp="1"/>
           </p:cNvSpPr>
@@ -1028,7 +969,7 @@
         <p:spPr>
           <a:xfrm>
             <a:off x="311760" y="744480"/>
-            <a:ext cx="8519760" cy="2052000"/>
+            <a:ext cx="8519400" cy="2051640"/>
           </a:xfrm>
           <a:prstGeom prst="rect">
             <a:avLst/>
@@ -1039,18 +980,16 @@
             <a:noAutofit/>
           </a:bodyPr>
           <a:p>
-            <a:endParaRPr b="0" lang="en-US" sz="1400" spc="-1" strike="noStrike">
-              <a:solidFill>
-                <a:srgbClr val="000000"/>
-              </a:solidFill>
-              <a:latin typeface="Arial"/>
-            </a:endParaRPr>
-          </a:p>
-        </p:txBody>
-      </p:sp>
-      <p:sp>
-        <p:nvSpPr>
-          <p:cNvPr id="11" name="PlaceHolder 2"/>
+            <a:pPr algn="ctr"/>
+            <a:endParaRPr b="0" lang="en-US" sz="4400" spc="-1" strike="noStrike">
+              <a:latin typeface="Arial"/>
+            </a:endParaRPr>
+          </a:p>
+        </p:txBody>
+      </p:sp>
+      <p:sp>
+        <p:nvSpPr>
+          <p:cNvPr id="12" name="PlaceHolder 2"/>
           <p:cNvSpPr>
             <a:spLocks noGrp="1"/>
           </p:cNvSpPr>
@@ -1061,87 +1000,78 @@
         <p:spPr>
           <a:xfrm>
             <a:off x="457200" y="1203480"/>
-            <a:ext cx="4015800" cy="1422720"/>
-          </a:xfrm>
-          <a:prstGeom prst="rect">
-            <a:avLst/>
-          </a:prstGeom>
-        </p:spPr>
-        <p:txBody>
-          <a:bodyPr lIns="0" rIns="0" tIns="0" bIns="0">
-            <a:normAutofit/>
-          </a:bodyPr>
-          <a:p>
-            <a:endParaRPr b="0" lang="en-US" sz="1400" spc="-1" strike="noStrike">
-              <a:solidFill>
-                <a:srgbClr val="000000"/>
-              </a:solidFill>
-              <a:latin typeface="Arial"/>
-            </a:endParaRPr>
-          </a:p>
-        </p:txBody>
-      </p:sp>
-      <p:sp>
-        <p:nvSpPr>
-          <p:cNvPr id="12" name="PlaceHolder 3"/>
-          <p:cNvSpPr>
-            <a:spLocks noGrp="1"/>
-          </p:cNvSpPr>
-          <p:nvPr>
-            <p:ph type="body"/>
-          </p:nvPr>
-        </p:nvSpPr>
-        <p:spPr>
-          <a:xfrm>
-            <a:off x="4674240" y="1203480"/>
-            <a:ext cx="4015800" cy="2982960"/>
-          </a:xfrm>
-          <a:prstGeom prst="rect">
-            <a:avLst/>
-          </a:prstGeom>
-        </p:spPr>
-        <p:txBody>
-          <a:bodyPr lIns="0" rIns="0" tIns="0" bIns="0">
-            <a:normAutofit/>
-          </a:bodyPr>
-          <a:p>
-            <a:endParaRPr b="0" lang="en-US" sz="1400" spc="-1" strike="noStrike">
-              <a:solidFill>
-                <a:srgbClr val="000000"/>
-              </a:solidFill>
-              <a:latin typeface="Arial"/>
-            </a:endParaRPr>
-          </a:p>
-        </p:txBody>
-      </p:sp>
-      <p:sp>
-        <p:nvSpPr>
-          <p:cNvPr id="13" name="PlaceHolder 4"/>
-          <p:cNvSpPr>
-            <a:spLocks noGrp="1"/>
-          </p:cNvSpPr>
-          <p:nvPr>
-            <p:ph type="body"/>
-          </p:nvPr>
-        </p:nvSpPr>
-        <p:spPr>
-          <a:xfrm>
-            <a:off x="457200" y="2761920"/>
-            <a:ext cx="4015800" cy="1422720"/>
-          </a:xfrm>
-          <a:prstGeom prst="rect">
-            <a:avLst/>
-          </a:prstGeom>
-        </p:spPr>
-        <p:txBody>
-          <a:bodyPr lIns="0" rIns="0" tIns="0" bIns="0">
-            <a:normAutofit/>
-          </a:bodyPr>
-          <a:p>
-            <a:endParaRPr b="0" lang="en-US" sz="1400" spc="-1" strike="noStrike">
-              <a:solidFill>
-                <a:srgbClr val="000000"/>
-              </a:solidFill>
+            <a:ext cx="4015440" cy="1422360"/>
+          </a:xfrm>
+          <a:prstGeom prst="rect">
+            <a:avLst/>
+          </a:prstGeom>
+        </p:spPr>
+        <p:txBody>
+          <a:bodyPr lIns="0" rIns="0" tIns="0" bIns="0">
+            <a:normAutofit/>
+          </a:bodyPr>
+          <a:p>
+            <a:endParaRPr b="0" lang="en-US" sz="3200" spc="-1" strike="noStrike">
+              <a:latin typeface="Arial"/>
+            </a:endParaRPr>
+          </a:p>
+        </p:txBody>
+      </p:sp>
+      <p:sp>
+        <p:nvSpPr>
+          <p:cNvPr id="13" name="PlaceHolder 3"/>
+          <p:cNvSpPr>
+            <a:spLocks noGrp="1"/>
+          </p:cNvSpPr>
+          <p:nvPr>
+            <p:ph type="body"/>
+          </p:nvPr>
+        </p:nvSpPr>
+        <p:spPr>
+          <a:xfrm>
+            <a:off x="4673880" y="1203480"/>
+            <a:ext cx="4015440" cy="2982600"/>
+          </a:xfrm>
+          <a:prstGeom prst="rect">
+            <a:avLst/>
+          </a:prstGeom>
+        </p:spPr>
+        <p:txBody>
+          <a:bodyPr lIns="0" rIns="0" tIns="0" bIns="0">
+            <a:normAutofit/>
+          </a:bodyPr>
+          <a:p>
+            <a:endParaRPr b="0" lang="en-US" sz="3200" spc="-1" strike="noStrike">
+              <a:latin typeface="Arial"/>
+            </a:endParaRPr>
+          </a:p>
+        </p:txBody>
+      </p:sp>
+      <p:sp>
+        <p:nvSpPr>
+          <p:cNvPr id="14" name="PlaceHolder 4"/>
+          <p:cNvSpPr>
+            <a:spLocks noGrp="1"/>
+          </p:cNvSpPr>
+          <p:nvPr>
+            <p:ph type="body"/>
+          </p:nvPr>
+        </p:nvSpPr>
+        <p:spPr>
+          <a:xfrm>
+            <a:off x="457200" y="2761200"/>
+            <a:ext cx="4015440" cy="1422360"/>
+          </a:xfrm>
+          <a:prstGeom prst="rect">
+            <a:avLst/>
+          </a:prstGeom>
+        </p:spPr>
+        <p:txBody>
+          <a:bodyPr lIns="0" rIns="0" tIns="0" bIns="0">
+            <a:normAutofit/>
+          </a:bodyPr>
+          <a:p>
+            <a:endParaRPr b="0" lang="en-US" sz="3200" spc="-1" strike="noStrike">
               <a:latin typeface="Arial"/>
             </a:endParaRPr>
           </a:p>
@@ -1171,7 +1101,7 @@
       </p:grpSpPr>
       <p:sp>
         <p:nvSpPr>
-          <p:cNvPr id="14" name="PlaceHolder 1"/>
+          <p:cNvPr id="15" name="PlaceHolder 1"/>
           <p:cNvSpPr>
             <a:spLocks noGrp="1"/>
           </p:cNvSpPr>
@@ -1182,7 +1112,7 @@
         <p:spPr>
           <a:xfrm>
             <a:off x="311760" y="744480"/>
-            <a:ext cx="8519760" cy="2052000"/>
+            <a:ext cx="8519400" cy="2051640"/>
           </a:xfrm>
           <a:prstGeom prst="rect">
             <a:avLst/>
@@ -1193,18 +1123,16 @@
             <a:noAutofit/>
           </a:bodyPr>
           <a:p>
-            <a:endParaRPr b="0" lang="en-US" sz="1400" spc="-1" strike="noStrike">
-              <a:solidFill>
-                <a:srgbClr val="000000"/>
-              </a:solidFill>
-              <a:latin typeface="Arial"/>
-            </a:endParaRPr>
-          </a:p>
-        </p:txBody>
-      </p:sp>
-      <p:sp>
-        <p:nvSpPr>
-          <p:cNvPr id="15" name="PlaceHolder 2"/>
+            <a:pPr algn="ctr"/>
+            <a:endParaRPr b="0" lang="en-US" sz="4400" spc="-1" strike="noStrike">
+              <a:latin typeface="Arial"/>
+            </a:endParaRPr>
+          </a:p>
+        </p:txBody>
+      </p:sp>
+      <p:sp>
+        <p:nvSpPr>
+          <p:cNvPr id="16" name="PlaceHolder 2"/>
           <p:cNvSpPr>
             <a:spLocks noGrp="1"/>
           </p:cNvSpPr>
@@ -1215,87 +1143,78 @@
         <p:spPr>
           <a:xfrm>
             <a:off x="457200" y="1203480"/>
-            <a:ext cx="4015800" cy="2982960"/>
-          </a:xfrm>
-          <a:prstGeom prst="rect">
-            <a:avLst/>
-          </a:prstGeom>
-        </p:spPr>
-        <p:txBody>
-          <a:bodyPr lIns="0" rIns="0" tIns="0" bIns="0">
-            <a:normAutofit/>
-          </a:bodyPr>
-          <a:p>
-            <a:endParaRPr b="0" lang="en-US" sz="1400" spc="-1" strike="noStrike">
-              <a:solidFill>
-                <a:srgbClr val="000000"/>
-              </a:solidFill>
-              <a:latin typeface="Arial"/>
-            </a:endParaRPr>
-          </a:p>
-        </p:txBody>
-      </p:sp>
-      <p:sp>
-        <p:nvSpPr>
-          <p:cNvPr id="16" name="PlaceHolder 3"/>
-          <p:cNvSpPr>
-            <a:spLocks noGrp="1"/>
-          </p:cNvSpPr>
-          <p:nvPr>
-            <p:ph type="body"/>
-          </p:nvPr>
-        </p:nvSpPr>
-        <p:spPr>
-          <a:xfrm>
-            <a:off x="4674240" y="1203480"/>
-            <a:ext cx="4015800" cy="1422720"/>
-          </a:xfrm>
-          <a:prstGeom prst="rect">
-            <a:avLst/>
-          </a:prstGeom>
-        </p:spPr>
-        <p:txBody>
-          <a:bodyPr lIns="0" rIns="0" tIns="0" bIns="0">
-            <a:normAutofit/>
-          </a:bodyPr>
-          <a:p>
-            <a:endParaRPr b="0" lang="en-US" sz="1400" spc="-1" strike="noStrike">
-              <a:solidFill>
-                <a:srgbClr val="000000"/>
-              </a:solidFill>
-              <a:latin typeface="Arial"/>
-            </a:endParaRPr>
-          </a:p>
-        </p:txBody>
-      </p:sp>
-      <p:sp>
-        <p:nvSpPr>
-          <p:cNvPr id="17" name="PlaceHolder 4"/>
-          <p:cNvSpPr>
-            <a:spLocks noGrp="1"/>
-          </p:cNvSpPr>
-          <p:nvPr>
-            <p:ph type="body"/>
-          </p:nvPr>
-        </p:nvSpPr>
-        <p:spPr>
-          <a:xfrm>
-            <a:off x="4674240" y="2761920"/>
-            <a:ext cx="4015800" cy="1422720"/>
-          </a:xfrm>
-          <a:prstGeom prst="rect">
-            <a:avLst/>
-          </a:prstGeom>
-        </p:spPr>
-        <p:txBody>
-          <a:bodyPr lIns="0" rIns="0" tIns="0" bIns="0">
-            <a:normAutofit/>
-          </a:bodyPr>
-          <a:p>
-            <a:endParaRPr b="0" lang="en-US" sz="1400" spc="-1" strike="noStrike">
-              <a:solidFill>
-                <a:srgbClr val="000000"/>
-              </a:solidFill>
+            <a:ext cx="4015440" cy="2982600"/>
+          </a:xfrm>
+          <a:prstGeom prst="rect">
+            <a:avLst/>
+          </a:prstGeom>
+        </p:spPr>
+        <p:txBody>
+          <a:bodyPr lIns="0" rIns="0" tIns="0" bIns="0">
+            <a:normAutofit/>
+          </a:bodyPr>
+          <a:p>
+            <a:endParaRPr b="0" lang="en-US" sz="3200" spc="-1" strike="noStrike">
+              <a:latin typeface="Arial"/>
+            </a:endParaRPr>
+          </a:p>
+        </p:txBody>
+      </p:sp>
+      <p:sp>
+        <p:nvSpPr>
+          <p:cNvPr id="17" name="PlaceHolder 3"/>
+          <p:cNvSpPr>
+            <a:spLocks noGrp="1"/>
+          </p:cNvSpPr>
+          <p:nvPr>
+            <p:ph type="body"/>
+          </p:nvPr>
+        </p:nvSpPr>
+        <p:spPr>
+          <a:xfrm>
+            <a:off x="4673880" y="1203480"/>
+            <a:ext cx="4015440" cy="1422360"/>
+          </a:xfrm>
+          <a:prstGeom prst="rect">
+            <a:avLst/>
+          </a:prstGeom>
+        </p:spPr>
+        <p:txBody>
+          <a:bodyPr lIns="0" rIns="0" tIns="0" bIns="0">
+            <a:normAutofit/>
+          </a:bodyPr>
+          <a:p>
+            <a:endParaRPr b="0" lang="en-US" sz="3200" spc="-1" strike="noStrike">
+              <a:latin typeface="Arial"/>
+            </a:endParaRPr>
+          </a:p>
+        </p:txBody>
+      </p:sp>
+      <p:sp>
+        <p:nvSpPr>
+          <p:cNvPr id="18" name="PlaceHolder 4"/>
+          <p:cNvSpPr>
+            <a:spLocks noGrp="1"/>
+          </p:cNvSpPr>
+          <p:nvPr>
+            <p:ph type="body"/>
+          </p:nvPr>
+        </p:nvSpPr>
+        <p:spPr>
+          <a:xfrm>
+            <a:off x="4673880" y="2761200"/>
+            <a:ext cx="4015440" cy="1422360"/>
+          </a:xfrm>
+          <a:prstGeom prst="rect">
+            <a:avLst/>
+          </a:prstGeom>
+        </p:spPr>
+        <p:txBody>
+          <a:bodyPr lIns="0" rIns="0" tIns="0" bIns="0">
+            <a:normAutofit/>
+          </a:bodyPr>
+          <a:p>
+            <a:endParaRPr b="0" lang="en-US" sz="3200" spc="-1" strike="noStrike">
               <a:latin typeface="Arial"/>
             </a:endParaRPr>
           </a:p>
@@ -1325,7 +1244,7 @@
       </p:grpSpPr>
       <p:sp>
         <p:nvSpPr>
-          <p:cNvPr id="18" name="PlaceHolder 1"/>
+          <p:cNvPr id="19" name="PlaceHolder 1"/>
           <p:cNvSpPr>
             <a:spLocks noGrp="1"/>
           </p:cNvSpPr>
@@ -1336,7 +1255,7 @@
         <p:spPr>
           <a:xfrm>
             <a:off x="311760" y="744480"/>
-            <a:ext cx="8519760" cy="2052000"/>
+            <a:ext cx="8519400" cy="2051640"/>
           </a:xfrm>
           <a:prstGeom prst="rect">
             <a:avLst/>
@@ -1347,18 +1266,16 @@
             <a:noAutofit/>
           </a:bodyPr>
           <a:p>
-            <a:endParaRPr b="0" lang="en-US" sz="1400" spc="-1" strike="noStrike">
-              <a:solidFill>
-                <a:srgbClr val="000000"/>
-              </a:solidFill>
-              <a:latin typeface="Arial"/>
-            </a:endParaRPr>
-          </a:p>
-        </p:txBody>
-      </p:sp>
-      <p:sp>
-        <p:nvSpPr>
-          <p:cNvPr id="19" name="PlaceHolder 2"/>
+            <a:pPr algn="ctr"/>
+            <a:endParaRPr b="0" lang="en-US" sz="4400" spc="-1" strike="noStrike">
+              <a:latin typeface="Arial"/>
+            </a:endParaRPr>
+          </a:p>
+        </p:txBody>
+      </p:sp>
+      <p:sp>
+        <p:nvSpPr>
+          <p:cNvPr id="20" name="PlaceHolder 2"/>
           <p:cNvSpPr>
             <a:spLocks noGrp="1"/>
           </p:cNvSpPr>
@@ -1369,87 +1286,78 @@
         <p:spPr>
           <a:xfrm>
             <a:off x="457200" y="1203480"/>
-            <a:ext cx="4015800" cy="1422720"/>
-          </a:xfrm>
-          <a:prstGeom prst="rect">
-            <a:avLst/>
-          </a:prstGeom>
-        </p:spPr>
-        <p:txBody>
-          <a:bodyPr lIns="0" rIns="0" tIns="0" bIns="0">
-            <a:normAutofit/>
-          </a:bodyPr>
-          <a:p>
-            <a:endParaRPr b="0" lang="en-US" sz="1400" spc="-1" strike="noStrike">
-              <a:solidFill>
-                <a:srgbClr val="000000"/>
-              </a:solidFill>
-              <a:latin typeface="Arial"/>
-            </a:endParaRPr>
-          </a:p>
-        </p:txBody>
-      </p:sp>
-      <p:sp>
-        <p:nvSpPr>
-          <p:cNvPr id="20" name="PlaceHolder 3"/>
-          <p:cNvSpPr>
-            <a:spLocks noGrp="1"/>
-          </p:cNvSpPr>
-          <p:nvPr>
-            <p:ph type="body"/>
-          </p:nvPr>
-        </p:nvSpPr>
-        <p:spPr>
-          <a:xfrm>
-            <a:off x="4674240" y="1203480"/>
-            <a:ext cx="4015800" cy="1422720"/>
-          </a:xfrm>
-          <a:prstGeom prst="rect">
-            <a:avLst/>
-          </a:prstGeom>
-        </p:spPr>
-        <p:txBody>
-          <a:bodyPr lIns="0" rIns="0" tIns="0" bIns="0">
-            <a:normAutofit/>
-          </a:bodyPr>
-          <a:p>
-            <a:endParaRPr b="0" lang="en-US" sz="1400" spc="-1" strike="noStrike">
-              <a:solidFill>
-                <a:srgbClr val="000000"/>
-              </a:solidFill>
-              <a:latin typeface="Arial"/>
-            </a:endParaRPr>
-          </a:p>
-        </p:txBody>
-      </p:sp>
-      <p:sp>
-        <p:nvSpPr>
-          <p:cNvPr id="21" name="PlaceHolder 4"/>
-          <p:cNvSpPr>
-            <a:spLocks noGrp="1"/>
-          </p:cNvSpPr>
-          <p:nvPr>
-            <p:ph type="body"/>
-          </p:nvPr>
-        </p:nvSpPr>
-        <p:spPr>
-          <a:xfrm>
-            <a:off x="457200" y="2761920"/>
-            <a:ext cx="8229240" cy="1422720"/>
-          </a:xfrm>
-          <a:prstGeom prst="rect">
-            <a:avLst/>
-          </a:prstGeom>
-        </p:spPr>
-        <p:txBody>
-          <a:bodyPr lIns="0" rIns="0" tIns="0" bIns="0">
-            <a:normAutofit/>
-          </a:bodyPr>
-          <a:p>
-            <a:endParaRPr b="0" lang="en-US" sz="1400" spc="-1" strike="noStrike">
-              <a:solidFill>
-                <a:srgbClr val="000000"/>
-              </a:solidFill>
+            <a:ext cx="4015440" cy="1422360"/>
+          </a:xfrm>
+          <a:prstGeom prst="rect">
+            <a:avLst/>
+          </a:prstGeom>
+        </p:spPr>
+        <p:txBody>
+          <a:bodyPr lIns="0" rIns="0" tIns="0" bIns="0">
+            <a:normAutofit/>
+          </a:bodyPr>
+          <a:p>
+            <a:endParaRPr b="0" lang="en-US" sz="3200" spc="-1" strike="noStrike">
+              <a:latin typeface="Arial"/>
+            </a:endParaRPr>
+          </a:p>
+        </p:txBody>
+      </p:sp>
+      <p:sp>
+        <p:nvSpPr>
+          <p:cNvPr id="21" name="PlaceHolder 3"/>
+          <p:cNvSpPr>
+            <a:spLocks noGrp="1"/>
+          </p:cNvSpPr>
+          <p:nvPr>
+            <p:ph type="body"/>
+          </p:nvPr>
+        </p:nvSpPr>
+        <p:spPr>
+          <a:xfrm>
+            <a:off x="4673880" y="1203480"/>
+            <a:ext cx="4015440" cy="1422360"/>
+          </a:xfrm>
+          <a:prstGeom prst="rect">
+            <a:avLst/>
+          </a:prstGeom>
+        </p:spPr>
+        <p:txBody>
+          <a:bodyPr lIns="0" rIns="0" tIns="0" bIns="0">
+            <a:normAutofit/>
+          </a:bodyPr>
+          <a:p>
+            <a:endParaRPr b="0" lang="en-US" sz="3200" spc="-1" strike="noStrike">
+              <a:latin typeface="Arial"/>
+            </a:endParaRPr>
+          </a:p>
+        </p:txBody>
+      </p:sp>
+      <p:sp>
+        <p:nvSpPr>
+          <p:cNvPr id="22" name="PlaceHolder 4"/>
+          <p:cNvSpPr>
+            <a:spLocks noGrp="1"/>
+          </p:cNvSpPr>
+          <p:nvPr>
+            <p:ph type="body"/>
+          </p:nvPr>
+        </p:nvSpPr>
+        <p:spPr>
+          <a:xfrm>
+            <a:off x="457200" y="2761200"/>
+            <a:ext cx="8228880" cy="1422360"/>
+          </a:xfrm>
+          <a:prstGeom prst="rect">
+            <a:avLst/>
+          </a:prstGeom>
+        </p:spPr>
+        <p:txBody>
+          <a:bodyPr lIns="0" rIns="0" tIns="0" bIns="0">
+            <a:normAutofit/>
+          </a:bodyPr>
+          <a:p>
+            <a:endParaRPr b="0" lang="en-US" sz="3200" spc="-1" strike="noStrike">
               <a:latin typeface="Arial"/>
             </a:endParaRPr>
           </a:p>
@@ -1497,7 +1405,7 @@
         <p:spPr>
           <a:xfrm>
             <a:off x="311760" y="744480"/>
-            <a:ext cx="8519760" cy="2052000"/>
+            <a:ext cx="8519400" cy="2051640"/>
           </a:xfrm>
           <a:prstGeom prst="rect">
             <a:avLst/>
@@ -1510,17 +1418,190 @@
           <a:p>
             <a:r>
               <a:rPr b="0" lang="en-US" sz="1800" spc="-1" strike="noStrike">
-                <a:solidFill>
-                  <a:srgbClr val="000000"/>
-                </a:solidFill>
                 <a:latin typeface="Arial"/>
               </a:rPr>
               <a:t>Click to edit the title text format</a:t>
             </a:r>
             <a:endParaRPr b="0" lang="en-US" sz="1800" spc="-1" strike="noStrike">
-              <a:solidFill>
+              <a:latin typeface="Arial"/>
+            </a:endParaRPr>
+          </a:p>
+        </p:txBody>
+      </p:sp>
+      <p:sp>
+        <p:nvSpPr>
+          <p:cNvPr id="1" name="PlaceHolder 2"/>
+          <p:cNvSpPr>
+            <a:spLocks noGrp="1"/>
+          </p:cNvSpPr>
+          <p:nvPr>
+            <p:ph type="body"/>
+          </p:nvPr>
+        </p:nvSpPr>
+        <p:spPr>
+          <a:xfrm>
+            <a:off x="457200" y="1203480"/>
+            <a:ext cx="8228880" cy="2982600"/>
+          </a:xfrm>
+          <a:prstGeom prst="rect">
+            <a:avLst/>
+          </a:prstGeom>
+        </p:spPr>
+        <p:txBody>
+          <a:bodyPr lIns="0" rIns="0" tIns="0" bIns="0">
+            <a:normAutofit/>
+          </a:bodyPr>
+          <a:p>
+            <a:pPr marL="432000" indent="-324000">
+              <a:spcBef>
+                <a:spcPts val="1417"/>
+              </a:spcBef>
+              <a:buClr>
                 <a:srgbClr val="000000"/>
-              </a:solidFill>
+              </a:buClr>
+              <a:buSzPct val="45000"/>
+              <a:buFont typeface="Wingdings" charset="2"/>
+              <a:buChar char=""/>
+            </a:pPr>
+            <a:r>
+              <a:rPr b="0" lang="en-US" sz="1800" spc="-1" strike="noStrike">
+                <a:latin typeface="Arial"/>
+              </a:rPr>
+              <a:t>Click to edit the outline text format</a:t>
+            </a:r>
+            <a:endParaRPr b="0" lang="en-US" sz="1800" spc="-1" strike="noStrike">
+              <a:latin typeface="Arial"/>
+            </a:endParaRPr>
+          </a:p>
+          <a:p>
+            <a:pPr lvl="1" marL="864000" indent="-324000">
+              <a:spcBef>
+                <a:spcPts val="1134"/>
+              </a:spcBef>
+              <a:buClr>
+                <a:srgbClr val="000000"/>
+              </a:buClr>
+              <a:buSzPct val="75000"/>
+              <a:buFont typeface="Symbol" charset="2"/>
+              <a:buChar char=""/>
+            </a:pPr>
+            <a:r>
+              <a:rPr b="0" lang="en-US" sz="1800" spc="-1" strike="noStrike">
+                <a:latin typeface="Arial"/>
+              </a:rPr>
+              <a:t>Second Outline Level</a:t>
+            </a:r>
+            <a:endParaRPr b="0" lang="en-US" sz="1800" spc="-1" strike="noStrike">
+              <a:latin typeface="Arial"/>
+            </a:endParaRPr>
+          </a:p>
+          <a:p>
+            <a:pPr lvl="2" marL="1296000" indent="-288000">
+              <a:spcBef>
+                <a:spcPts val="850"/>
+              </a:spcBef>
+              <a:buClr>
+                <a:srgbClr val="000000"/>
+              </a:buClr>
+              <a:buSzPct val="45000"/>
+              <a:buFont typeface="Wingdings" charset="2"/>
+              <a:buChar char=""/>
+            </a:pPr>
+            <a:r>
+              <a:rPr b="0" lang="en-US" sz="1800" spc="-1" strike="noStrike">
+                <a:latin typeface="Arial"/>
+              </a:rPr>
+              <a:t>Third Outline Level</a:t>
+            </a:r>
+            <a:endParaRPr b="0" lang="en-US" sz="1800" spc="-1" strike="noStrike">
+              <a:latin typeface="Arial"/>
+            </a:endParaRPr>
+          </a:p>
+          <a:p>
+            <a:pPr lvl="3" marL="1728000" indent="-216000">
+              <a:spcBef>
+                <a:spcPts val="567"/>
+              </a:spcBef>
+              <a:buClr>
+                <a:srgbClr val="000000"/>
+              </a:buClr>
+              <a:buSzPct val="75000"/>
+              <a:buFont typeface="Symbol" charset="2"/>
+              <a:buChar char=""/>
+            </a:pPr>
+            <a:r>
+              <a:rPr b="0" lang="en-US" sz="1800" spc="-1" strike="noStrike">
+                <a:latin typeface="Arial"/>
+              </a:rPr>
+              <a:t>Fourth Outline Level</a:t>
+            </a:r>
+            <a:endParaRPr b="0" lang="en-US" sz="1800" spc="-1" strike="noStrike">
+              <a:latin typeface="Arial"/>
+            </a:endParaRPr>
+          </a:p>
+          <a:p>
+            <a:pPr lvl="4" marL="2160000" indent="-216000">
+              <a:spcBef>
+                <a:spcPts val="283"/>
+              </a:spcBef>
+              <a:buClr>
+                <a:srgbClr val="000000"/>
+              </a:buClr>
+              <a:buSzPct val="45000"/>
+              <a:buFont typeface="Wingdings" charset="2"/>
+              <a:buChar char=""/>
+            </a:pPr>
+            <a:r>
+              <a:rPr b="0" lang="en-US" sz="1800" spc="-1" strike="noStrike">
+                <a:latin typeface="Arial"/>
+              </a:rPr>
+              <a:t>Fifth Outline Level</a:t>
+            </a:r>
+            <a:endParaRPr b="0" lang="en-US" sz="1800" spc="-1" strike="noStrike">
+              <a:latin typeface="Arial"/>
+            </a:endParaRPr>
+          </a:p>
+          <a:p>
+            <a:pPr lvl="5" marL="2592000" indent="-216000">
+              <a:spcBef>
+                <a:spcPts val="283"/>
+              </a:spcBef>
+              <a:buClr>
+                <a:srgbClr val="000000"/>
+              </a:buClr>
+              <a:buSzPct val="45000"/>
+              <a:buFont typeface="Wingdings" charset="2"/>
+              <a:buChar char=""/>
+            </a:pPr>
+            <a:r>
+              <a:rPr b="0" lang="en-US" sz="1800" spc="-1" strike="noStrike">
+                <a:latin typeface="Arial"/>
+              </a:rPr>
+              <a:t>Sixth Outline Level</a:t>
+            </a:r>
+            <a:endParaRPr b="0" lang="en-US" sz="1800" spc="-1" strike="noStrike">
+              <a:latin typeface="Arial"/>
+            </a:endParaRPr>
+          </a:p>
+          <a:p>
+            <a:pPr lvl="6" marL="3024000" indent="-216000">
+              <a:spcBef>
+                <a:spcPts val="283"/>
+              </a:spcBef>
+              <a:buClr>
+                <a:srgbClr val="000000"/>
+              </a:buClr>
+              <a:buSzPct val="45000"/>
+              <a:buFont typeface="Wingdings" charset="2"/>
+              <a:buChar char=""/>
+            </a:pPr>
+            <a:r>
+              <a:rPr b="0" lang="en-US" sz="1800" spc="-1" strike="noStrike">
+                <a:latin typeface="Arial"/>
+              </a:rPr>
+              <a:t>Seventh Outline Level</a:t>
+            </a:r>
+            <a:endParaRPr b="0" lang="en-US" sz="1800" spc="-1" strike="noStrike">
               <a:latin typeface="Arial"/>
             </a:endParaRPr>
           </a:p>
@@ -1565,14 +1646,14 @@
       </p:grpSpPr>
       <p:sp>
         <p:nvSpPr>
-          <p:cNvPr id="37" name="awardData"/>
+          <p:cNvPr id="38" name="awardData"/>
           <p:cNvSpPr/>
           <p:nvPr/>
         </p:nvSpPr>
         <p:spPr>
           <a:xfrm>
             <a:off x="1452960" y="1629720"/>
-            <a:ext cx="6179760" cy="2377440"/>
+            <a:ext cx="6179400" cy="2377080"/>
           </a:xfrm>
           <a:prstGeom prst="rect">
             <a:avLst/>
@@ -1589,7 +1670,7 @@
           <a:fontRef idx="minor"/>
         </p:style>
         <p:txBody>
-          <a:bodyPr tIns="91440" bIns="91440">
+          <a:bodyPr lIns="90000" rIns="90000" tIns="91440" bIns="91440">
             <a:noAutofit/>
           </a:bodyPr>
           <a:p>
@@ -1734,14 +1815,14 @@
       </p:sp>
       <p:sp>
         <p:nvSpPr>
-          <p:cNvPr id="38" name="Google Shape;61;p14"/>
+          <p:cNvPr id="39" name="Google Shape;61;p14"/>
           <p:cNvSpPr/>
           <p:nvPr/>
         </p:nvSpPr>
         <p:spPr>
           <a:xfrm>
             <a:off x="2118240" y="4561200"/>
-            <a:ext cx="4906800" cy="360"/>
+            <a:ext cx="4906440" cy="360"/>
           </a:xfrm>
           <a:custGeom>
             <a:avLst/>
@@ -1776,7 +1857,7 @@
       </p:sp>
       <p:pic>
         <p:nvPicPr>
-          <p:cNvPr id="39" name="Google Shape;62;p14" descr=""/>
+          <p:cNvPr id="40" name="Google Shape;62;p14" descr=""/>
           <p:cNvPicPr/>
           <p:nvPr/>
         </p:nvPicPr>
@@ -1787,7 +1868,7 @@
         <p:spPr>
           <a:xfrm>
             <a:off x="3719160" y="129240"/>
-            <a:ext cx="1705320" cy="1551600"/>
+            <a:ext cx="1704960" cy="1551240"/>
           </a:xfrm>
           <a:prstGeom prst="rect">
             <a:avLst/>
@@ -1799,7 +1880,7 @@
       </p:pic>
       <p:pic>
         <p:nvPicPr>
-          <p:cNvPr id="40" name="Google Shape;63;p14" descr=""/>
+          <p:cNvPr id="41" name="Google Shape;63;p14" descr=""/>
           <p:cNvPicPr/>
           <p:nvPr/>
         </p:nvPicPr>
@@ -1809,8 +1890,8 @@
         </p:blipFill>
         <p:spPr>
           <a:xfrm>
-            <a:off x="-100440" y="1629720"/>
-            <a:ext cx="2628720" cy="2628720"/>
+            <a:off x="457200" y="2086920"/>
+            <a:ext cx="1342080" cy="1342080"/>
           </a:xfrm>
           <a:prstGeom prst="rect">
             <a:avLst/>

--- a/templates/genericAward_template.pptx
+++ b/templates/genericAward_template.pptx
@@ -53,7 +53,7 @@
       </p:grpSpPr>
       <p:sp>
         <p:nvSpPr>
-          <p:cNvPr id="23" name="PlaceHolder 1"/>
+          <p:cNvPr id="21" name="PlaceHolder 1"/>
           <p:cNvSpPr>
             <a:spLocks noGrp="1"/>
           </p:cNvSpPr>
@@ -63,8 +63,8 @@
         </p:nvSpPr>
         <p:spPr>
           <a:xfrm>
-            <a:off x="311760" y="744480"/>
-            <a:ext cx="8519400" cy="2051640"/>
+            <a:off x="457200" y="205200"/>
+            <a:ext cx="8229240" cy="858600"/>
           </a:xfrm>
           <a:prstGeom prst="rect">
             <a:avLst/>
@@ -84,7 +84,7 @@
       </p:sp>
       <p:sp>
         <p:nvSpPr>
-          <p:cNvPr id="24" name="PlaceHolder 2"/>
+          <p:cNvPr id="22" name="PlaceHolder 2"/>
           <p:cNvSpPr>
             <a:spLocks noGrp="1"/>
           </p:cNvSpPr>
@@ -95,37 +95,37 @@
         <p:spPr>
           <a:xfrm>
             <a:off x="457200" y="1203480"/>
-            <a:ext cx="8228880" cy="1422360"/>
-          </a:xfrm>
-          <a:prstGeom prst="rect">
-            <a:avLst/>
-          </a:prstGeom>
-        </p:spPr>
-        <p:txBody>
-          <a:bodyPr lIns="0" rIns="0" tIns="0" bIns="0">
-            <a:normAutofit/>
-          </a:bodyPr>
-          <a:p>
-            <a:endParaRPr b="0" lang="en-US" sz="3200" spc="-1" strike="noStrike">
-              <a:latin typeface="Arial"/>
-            </a:endParaRPr>
-          </a:p>
-        </p:txBody>
-      </p:sp>
-      <p:sp>
-        <p:nvSpPr>
-          <p:cNvPr id="25" name="PlaceHolder 3"/>
-          <p:cNvSpPr>
-            <a:spLocks noGrp="1"/>
-          </p:cNvSpPr>
-          <p:nvPr>
-            <p:ph type="body"/>
-          </p:nvPr>
-        </p:nvSpPr>
-        <p:spPr>
-          <a:xfrm>
-            <a:off x="457200" y="2761200"/>
-            <a:ext cx="8228880" cy="1422360"/>
+            <a:ext cx="8229240" cy="1422720"/>
+          </a:xfrm>
+          <a:prstGeom prst="rect">
+            <a:avLst/>
+          </a:prstGeom>
+        </p:spPr>
+        <p:txBody>
+          <a:bodyPr lIns="0" rIns="0" tIns="0" bIns="0">
+            <a:normAutofit/>
+          </a:bodyPr>
+          <a:p>
+            <a:endParaRPr b="0" lang="en-US" sz="3200" spc="-1" strike="noStrike">
+              <a:latin typeface="Arial"/>
+            </a:endParaRPr>
+          </a:p>
+        </p:txBody>
+      </p:sp>
+      <p:sp>
+        <p:nvSpPr>
+          <p:cNvPr id="23" name="PlaceHolder 3"/>
+          <p:cNvSpPr>
+            <a:spLocks noGrp="1"/>
+          </p:cNvSpPr>
+          <p:nvPr>
+            <p:ph type="body"/>
+          </p:nvPr>
+        </p:nvSpPr>
+        <p:spPr>
+          <a:xfrm>
+            <a:off x="457200" y="2761920"/>
+            <a:ext cx="8229240" cy="1422720"/>
           </a:xfrm>
           <a:prstGeom prst="rect">
             <a:avLst/>
@@ -166,7 +166,7 @@
       </p:grpSpPr>
       <p:sp>
         <p:nvSpPr>
-          <p:cNvPr id="26" name="PlaceHolder 1"/>
+          <p:cNvPr id="24" name="PlaceHolder 1"/>
           <p:cNvSpPr>
             <a:spLocks noGrp="1"/>
           </p:cNvSpPr>
@@ -176,8 +176,8 @@
         </p:nvSpPr>
         <p:spPr>
           <a:xfrm>
-            <a:off x="311760" y="744480"/>
-            <a:ext cx="8519400" cy="2051640"/>
+            <a:off x="457200" y="205200"/>
+            <a:ext cx="8229240" cy="858600"/>
           </a:xfrm>
           <a:prstGeom prst="rect">
             <a:avLst/>
@@ -197,7 +197,7 @@
       </p:sp>
       <p:sp>
         <p:nvSpPr>
-          <p:cNvPr id="27" name="PlaceHolder 2"/>
+          <p:cNvPr id="25" name="PlaceHolder 2"/>
           <p:cNvSpPr>
             <a:spLocks noGrp="1"/>
           </p:cNvSpPr>
@@ -208,97 +208,97 @@
         <p:spPr>
           <a:xfrm>
             <a:off x="457200" y="1203480"/>
-            <a:ext cx="4015440" cy="1422360"/>
-          </a:xfrm>
-          <a:prstGeom prst="rect">
-            <a:avLst/>
-          </a:prstGeom>
-        </p:spPr>
-        <p:txBody>
-          <a:bodyPr lIns="0" rIns="0" tIns="0" bIns="0">
-            <a:normAutofit/>
-          </a:bodyPr>
-          <a:p>
-            <a:endParaRPr b="0" lang="en-US" sz="3200" spc="-1" strike="noStrike">
-              <a:latin typeface="Arial"/>
-            </a:endParaRPr>
-          </a:p>
-        </p:txBody>
-      </p:sp>
-      <p:sp>
-        <p:nvSpPr>
-          <p:cNvPr id="28" name="PlaceHolder 3"/>
-          <p:cNvSpPr>
-            <a:spLocks noGrp="1"/>
-          </p:cNvSpPr>
-          <p:nvPr>
-            <p:ph type="body"/>
-          </p:nvPr>
-        </p:nvSpPr>
-        <p:spPr>
-          <a:xfrm>
-            <a:off x="4673880" y="1203480"/>
-            <a:ext cx="4015440" cy="1422360"/>
-          </a:xfrm>
-          <a:prstGeom prst="rect">
-            <a:avLst/>
-          </a:prstGeom>
-        </p:spPr>
-        <p:txBody>
-          <a:bodyPr lIns="0" rIns="0" tIns="0" bIns="0">
-            <a:normAutofit/>
-          </a:bodyPr>
-          <a:p>
-            <a:endParaRPr b="0" lang="en-US" sz="3200" spc="-1" strike="noStrike">
-              <a:latin typeface="Arial"/>
-            </a:endParaRPr>
-          </a:p>
-        </p:txBody>
-      </p:sp>
-      <p:sp>
-        <p:nvSpPr>
-          <p:cNvPr id="29" name="PlaceHolder 4"/>
-          <p:cNvSpPr>
-            <a:spLocks noGrp="1"/>
-          </p:cNvSpPr>
-          <p:nvPr>
-            <p:ph type="body"/>
-          </p:nvPr>
-        </p:nvSpPr>
-        <p:spPr>
-          <a:xfrm>
-            <a:off x="457200" y="2761200"/>
-            <a:ext cx="4015440" cy="1422360"/>
-          </a:xfrm>
-          <a:prstGeom prst="rect">
-            <a:avLst/>
-          </a:prstGeom>
-        </p:spPr>
-        <p:txBody>
-          <a:bodyPr lIns="0" rIns="0" tIns="0" bIns="0">
-            <a:normAutofit/>
-          </a:bodyPr>
-          <a:p>
-            <a:endParaRPr b="0" lang="en-US" sz="3200" spc="-1" strike="noStrike">
-              <a:latin typeface="Arial"/>
-            </a:endParaRPr>
-          </a:p>
-        </p:txBody>
-      </p:sp>
-      <p:sp>
-        <p:nvSpPr>
-          <p:cNvPr id="30" name="PlaceHolder 5"/>
-          <p:cNvSpPr>
-            <a:spLocks noGrp="1"/>
-          </p:cNvSpPr>
-          <p:nvPr>
-            <p:ph type="body"/>
-          </p:nvPr>
-        </p:nvSpPr>
-        <p:spPr>
-          <a:xfrm>
-            <a:off x="4673880" y="2761200"/>
-            <a:ext cx="4015440" cy="1422360"/>
+            <a:ext cx="4015800" cy="1422720"/>
+          </a:xfrm>
+          <a:prstGeom prst="rect">
+            <a:avLst/>
+          </a:prstGeom>
+        </p:spPr>
+        <p:txBody>
+          <a:bodyPr lIns="0" rIns="0" tIns="0" bIns="0">
+            <a:normAutofit/>
+          </a:bodyPr>
+          <a:p>
+            <a:endParaRPr b="0" lang="en-US" sz="3200" spc="-1" strike="noStrike">
+              <a:latin typeface="Arial"/>
+            </a:endParaRPr>
+          </a:p>
+        </p:txBody>
+      </p:sp>
+      <p:sp>
+        <p:nvSpPr>
+          <p:cNvPr id="26" name="PlaceHolder 3"/>
+          <p:cNvSpPr>
+            <a:spLocks noGrp="1"/>
+          </p:cNvSpPr>
+          <p:nvPr>
+            <p:ph type="body"/>
+          </p:nvPr>
+        </p:nvSpPr>
+        <p:spPr>
+          <a:xfrm>
+            <a:off x="4674240" y="1203480"/>
+            <a:ext cx="4015800" cy="1422720"/>
+          </a:xfrm>
+          <a:prstGeom prst="rect">
+            <a:avLst/>
+          </a:prstGeom>
+        </p:spPr>
+        <p:txBody>
+          <a:bodyPr lIns="0" rIns="0" tIns="0" bIns="0">
+            <a:normAutofit/>
+          </a:bodyPr>
+          <a:p>
+            <a:endParaRPr b="0" lang="en-US" sz="3200" spc="-1" strike="noStrike">
+              <a:latin typeface="Arial"/>
+            </a:endParaRPr>
+          </a:p>
+        </p:txBody>
+      </p:sp>
+      <p:sp>
+        <p:nvSpPr>
+          <p:cNvPr id="27" name="PlaceHolder 4"/>
+          <p:cNvSpPr>
+            <a:spLocks noGrp="1"/>
+          </p:cNvSpPr>
+          <p:nvPr>
+            <p:ph type="body"/>
+          </p:nvPr>
+        </p:nvSpPr>
+        <p:spPr>
+          <a:xfrm>
+            <a:off x="457200" y="2761920"/>
+            <a:ext cx="4015800" cy="1422720"/>
+          </a:xfrm>
+          <a:prstGeom prst="rect">
+            <a:avLst/>
+          </a:prstGeom>
+        </p:spPr>
+        <p:txBody>
+          <a:bodyPr lIns="0" rIns="0" tIns="0" bIns="0">
+            <a:normAutofit/>
+          </a:bodyPr>
+          <a:p>
+            <a:endParaRPr b="0" lang="en-US" sz="3200" spc="-1" strike="noStrike">
+              <a:latin typeface="Arial"/>
+            </a:endParaRPr>
+          </a:p>
+        </p:txBody>
+      </p:sp>
+      <p:sp>
+        <p:nvSpPr>
+          <p:cNvPr id="28" name="PlaceHolder 5"/>
+          <p:cNvSpPr>
+            <a:spLocks noGrp="1"/>
+          </p:cNvSpPr>
+          <p:nvPr>
+            <p:ph type="body"/>
+          </p:nvPr>
+        </p:nvSpPr>
+        <p:spPr>
+          <a:xfrm>
+            <a:off x="4674240" y="2761920"/>
+            <a:ext cx="4015800" cy="1422720"/>
           </a:xfrm>
           <a:prstGeom prst="rect">
             <a:avLst/>
@@ -339,7 +339,7 @@
       </p:grpSpPr>
       <p:sp>
         <p:nvSpPr>
-          <p:cNvPr id="31" name="PlaceHolder 1"/>
+          <p:cNvPr id="29" name="PlaceHolder 1"/>
           <p:cNvSpPr>
             <a:spLocks noGrp="1"/>
           </p:cNvSpPr>
@@ -349,8 +349,8 @@
         </p:nvSpPr>
         <p:spPr>
           <a:xfrm>
-            <a:off x="311760" y="744480"/>
-            <a:ext cx="8519400" cy="2051640"/>
+            <a:off x="457200" y="205200"/>
+            <a:ext cx="8229240" cy="858600"/>
           </a:xfrm>
           <a:prstGeom prst="rect">
             <a:avLst/>
@@ -370,7 +370,7 @@
       </p:sp>
       <p:sp>
         <p:nvSpPr>
-          <p:cNvPr id="32" name="PlaceHolder 2"/>
+          <p:cNvPr id="30" name="PlaceHolder 2"/>
           <p:cNvSpPr>
             <a:spLocks noGrp="1"/>
           </p:cNvSpPr>
@@ -381,26 +381,26 @@
         <p:spPr>
           <a:xfrm>
             <a:off x="457200" y="1203480"/>
-            <a:ext cx="2649600" cy="1422360"/>
-          </a:xfrm>
-          <a:prstGeom prst="rect">
-            <a:avLst/>
-          </a:prstGeom>
-        </p:spPr>
-        <p:txBody>
-          <a:bodyPr lIns="0" rIns="0" tIns="0" bIns="0">
-            <a:normAutofit/>
-          </a:bodyPr>
-          <a:p>
-            <a:endParaRPr b="0" lang="en-US" sz="3200" spc="-1" strike="noStrike">
-              <a:latin typeface="Arial"/>
-            </a:endParaRPr>
-          </a:p>
-        </p:txBody>
-      </p:sp>
-      <p:sp>
-        <p:nvSpPr>
-          <p:cNvPr id="33" name="PlaceHolder 3"/>
+            <a:ext cx="2649600" cy="1422720"/>
+          </a:xfrm>
+          <a:prstGeom prst="rect">
+            <a:avLst/>
+          </a:prstGeom>
+        </p:spPr>
+        <p:txBody>
+          <a:bodyPr lIns="0" rIns="0" tIns="0" bIns="0">
+            <a:normAutofit/>
+          </a:bodyPr>
+          <a:p>
+            <a:endParaRPr b="0" lang="en-US" sz="3200" spc="-1" strike="noStrike">
+              <a:latin typeface="Arial"/>
+            </a:endParaRPr>
+          </a:p>
+        </p:txBody>
+      </p:sp>
+      <p:sp>
+        <p:nvSpPr>
+          <p:cNvPr id="31" name="PlaceHolder 3"/>
           <p:cNvSpPr>
             <a:spLocks noGrp="1"/>
           </p:cNvSpPr>
@@ -411,26 +411,26 @@
         <p:spPr>
           <a:xfrm>
             <a:off x="3239640" y="1203480"/>
-            <a:ext cx="2649600" cy="1422360"/>
-          </a:xfrm>
-          <a:prstGeom prst="rect">
-            <a:avLst/>
-          </a:prstGeom>
-        </p:spPr>
-        <p:txBody>
-          <a:bodyPr lIns="0" rIns="0" tIns="0" bIns="0">
-            <a:normAutofit/>
-          </a:bodyPr>
-          <a:p>
-            <a:endParaRPr b="0" lang="en-US" sz="3200" spc="-1" strike="noStrike">
-              <a:latin typeface="Arial"/>
-            </a:endParaRPr>
-          </a:p>
-        </p:txBody>
-      </p:sp>
-      <p:sp>
-        <p:nvSpPr>
-          <p:cNvPr id="34" name="PlaceHolder 4"/>
+            <a:ext cx="2649600" cy="1422720"/>
+          </a:xfrm>
+          <a:prstGeom prst="rect">
+            <a:avLst/>
+          </a:prstGeom>
+        </p:spPr>
+        <p:txBody>
+          <a:bodyPr lIns="0" rIns="0" tIns="0" bIns="0">
+            <a:normAutofit/>
+          </a:bodyPr>
+          <a:p>
+            <a:endParaRPr b="0" lang="en-US" sz="3200" spc="-1" strike="noStrike">
+              <a:latin typeface="Arial"/>
+            </a:endParaRPr>
+          </a:p>
+        </p:txBody>
+      </p:sp>
+      <p:sp>
+        <p:nvSpPr>
+          <p:cNvPr id="32" name="PlaceHolder 4"/>
           <p:cNvSpPr>
             <a:spLocks noGrp="1"/>
           </p:cNvSpPr>
@@ -441,97 +441,97 @@
         <p:spPr>
           <a:xfrm>
             <a:off x="6022080" y="1203480"/>
-            <a:ext cx="2649600" cy="1422360"/>
-          </a:xfrm>
-          <a:prstGeom prst="rect">
-            <a:avLst/>
-          </a:prstGeom>
-        </p:spPr>
-        <p:txBody>
-          <a:bodyPr lIns="0" rIns="0" tIns="0" bIns="0">
-            <a:normAutofit/>
-          </a:bodyPr>
-          <a:p>
-            <a:endParaRPr b="0" lang="en-US" sz="3200" spc="-1" strike="noStrike">
-              <a:latin typeface="Arial"/>
-            </a:endParaRPr>
-          </a:p>
-        </p:txBody>
-      </p:sp>
-      <p:sp>
-        <p:nvSpPr>
-          <p:cNvPr id="35" name="PlaceHolder 5"/>
-          <p:cNvSpPr>
-            <a:spLocks noGrp="1"/>
-          </p:cNvSpPr>
-          <p:nvPr>
-            <p:ph type="body"/>
-          </p:nvPr>
-        </p:nvSpPr>
-        <p:spPr>
-          <a:xfrm>
-            <a:off x="457200" y="2761200"/>
-            <a:ext cx="2649600" cy="1422360"/>
-          </a:xfrm>
-          <a:prstGeom prst="rect">
-            <a:avLst/>
-          </a:prstGeom>
-        </p:spPr>
-        <p:txBody>
-          <a:bodyPr lIns="0" rIns="0" tIns="0" bIns="0">
-            <a:normAutofit/>
-          </a:bodyPr>
-          <a:p>
-            <a:endParaRPr b="0" lang="en-US" sz="3200" spc="-1" strike="noStrike">
-              <a:latin typeface="Arial"/>
-            </a:endParaRPr>
-          </a:p>
-        </p:txBody>
-      </p:sp>
-      <p:sp>
-        <p:nvSpPr>
-          <p:cNvPr id="36" name="PlaceHolder 6"/>
-          <p:cNvSpPr>
-            <a:spLocks noGrp="1"/>
-          </p:cNvSpPr>
-          <p:nvPr>
-            <p:ph type="body"/>
-          </p:nvPr>
-        </p:nvSpPr>
-        <p:spPr>
-          <a:xfrm>
-            <a:off x="3239640" y="2761200"/>
-            <a:ext cx="2649600" cy="1422360"/>
-          </a:xfrm>
-          <a:prstGeom prst="rect">
-            <a:avLst/>
-          </a:prstGeom>
-        </p:spPr>
-        <p:txBody>
-          <a:bodyPr lIns="0" rIns="0" tIns="0" bIns="0">
-            <a:normAutofit/>
-          </a:bodyPr>
-          <a:p>
-            <a:endParaRPr b="0" lang="en-US" sz="3200" spc="-1" strike="noStrike">
-              <a:latin typeface="Arial"/>
-            </a:endParaRPr>
-          </a:p>
-        </p:txBody>
-      </p:sp>
-      <p:sp>
-        <p:nvSpPr>
-          <p:cNvPr id="37" name="PlaceHolder 7"/>
-          <p:cNvSpPr>
-            <a:spLocks noGrp="1"/>
-          </p:cNvSpPr>
-          <p:nvPr>
-            <p:ph type="body"/>
-          </p:nvPr>
-        </p:nvSpPr>
-        <p:spPr>
-          <a:xfrm>
-            <a:off x="6022080" y="2761200"/>
-            <a:ext cx="2649600" cy="1422360"/>
+            <a:ext cx="2649600" cy="1422720"/>
+          </a:xfrm>
+          <a:prstGeom prst="rect">
+            <a:avLst/>
+          </a:prstGeom>
+        </p:spPr>
+        <p:txBody>
+          <a:bodyPr lIns="0" rIns="0" tIns="0" bIns="0">
+            <a:normAutofit/>
+          </a:bodyPr>
+          <a:p>
+            <a:endParaRPr b="0" lang="en-US" sz="3200" spc="-1" strike="noStrike">
+              <a:latin typeface="Arial"/>
+            </a:endParaRPr>
+          </a:p>
+        </p:txBody>
+      </p:sp>
+      <p:sp>
+        <p:nvSpPr>
+          <p:cNvPr id="33" name="PlaceHolder 5"/>
+          <p:cNvSpPr>
+            <a:spLocks noGrp="1"/>
+          </p:cNvSpPr>
+          <p:nvPr>
+            <p:ph type="body"/>
+          </p:nvPr>
+        </p:nvSpPr>
+        <p:spPr>
+          <a:xfrm>
+            <a:off x="457200" y="2761920"/>
+            <a:ext cx="2649600" cy="1422720"/>
+          </a:xfrm>
+          <a:prstGeom prst="rect">
+            <a:avLst/>
+          </a:prstGeom>
+        </p:spPr>
+        <p:txBody>
+          <a:bodyPr lIns="0" rIns="0" tIns="0" bIns="0">
+            <a:normAutofit/>
+          </a:bodyPr>
+          <a:p>
+            <a:endParaRPr b="0" lang="en-US" sz="3200" spc="-1" strike="noStrike">
+              <a:latin typeface="Arial"/>
+            </a:endParaRPr>
+          </a:p>
+        </p:txBody>
+      </p:sp>
+      <p:sp>
+        <p:nvSpPr>
+          <p:cNvPr id="34" name="PlaceHolder 6"/>
+          <p:cNvSpPr>
+            <a:spLocks noGrp="1"/>
+          </p:cNvSpPr>
+          <p:nvPr>
+            <p:ph type="body"/>
+          </p:nvPr>
+        </p:nvSpPr>
+        <p:spPr>
+          <a:xfrm>
+            <a:off x="3239640" y="2761920"/>
+            <a:ext cx="2649600" cy="1422720"/>
+          </a:xfrm>
+          <a:prstGeom prst="rect">
+            <a:avLst/>
+          </a:prstGeom>
+        </p:spPr>
+        <p:txBody>
+          <a:bodyPr lIns="0" rIns="0" tIns="0" bIns="0">
+            <a:normAutofit/>
+          </a:bodyPr>
+          <a:p>
+            <a:endParaRPr b="0" lang="en-US" sz="3200" spc="-1" strike="noStrike">
+              <a:latin typeface="Arial"/>
+            </a:endParaRPr>
+          </a:p>
+        </p:txBody>
+      </p:sp>
+      <p:sp>
+        <p:nvSpPr>
+          <p:cNvPr id="35" name="PlaceHolder 7"/>
+          <p:cNvSpPr>
+            <a:spLocks noGrp="1"/>
+          </p:cNvSpPr>
+          <p:nvPr>
+            <p:ph type="body"/>
+          </p:nvPr>
+        </p:nvSpPr>
+        <p:spPr>
+          <a:xfrm>
+            <a:off x="6022080" y="2761920"/>
+            <a:ext cx="2649600" cy="1422720"/>
           </a:xfrm>
           <a:prstGeom prst="rect">
             <a:avLst/>
@@ -572,7 +572,7 @@
       </p:grpSpPr>
       <p:sp>
         <p:nvSpPr>
-          <p:cNvPr id="2" name="PlaceHolder 1"/>
+          <p:cNvPr id="0" name="PlaceHolder 1"/>
           <p:cNvSpPr>
             <a:spLocks noGrp="1"/>
           </p:cNvSpPr>
@@ -582,8 +582,8 @@
         </p:nvSpPr>
         <p:spPr>
           <a:xfrm>
-            <a:off x="311760" y="744480"/>
-            <a:ext cx="8519400" cy="2051640"/>
+            <a:off x="457200" y="205200"/>
+            <a:ext cx="8229240" cy="858600"/>
           </a:xfrm>
           <a:prstGeom prst="rect">
             <a:avLst/>
@@ -603,7 +603,7 @@
       </p:sp>
       <p:sp>
         <p:nvSpPr>
-          <p:cNvPr id="3" name="PlaceHolder 2"/>
+          <p:cNvPr id="1" name="PlaceHolder 2"/>
           <p:cNvSpPr>
             <a:spLocks noGrp="1"/>
           </p:cNvSpPr>
@@ -614,7 +614,7 @@
         <p:spPr>
           <a:xfrm>
             <a:off x="457200" y="1203480"/>
-            <a:ext cx="8228880" cy="2982600"/>
+            <a:ext cx="8229240" cy="2982960"/>
           </a:xfrm>
           <a:prstGeom prst="rect">
             <a:avLst/>
@@ -656,7 +656,7 @@
       </p:grpSpPr>
       <p:sp>
         <p:nvSpPr>
-          <p:cNvPr id="4" name="PlaceHolder 1"/>
+          <p:cNvPr id="2" name="PlaceHolder 1"/>
           <p:cNvSpPr>
             <a:spLocks noGrp="1"/>
           </p:cNvSpPr>
@@ -666,8 +666,8 @@
         </p:nvSpPr>
         <p:spPr>
           <a:xfrm>
-            <a:off x="311760" y="744480"/>
-            <a:ext cx="8519400" cy="2051640"/>
+            <a:off x="457200" y="205200"/>
+            <a:ext cx="8229240" cy="858600"/>
           </a:xfrm>
           <a:prstGeom prst="rect">
             <a:avLst/>
@@ -687,7 +687,7 @@
       </p:sp>
       <p:sp>
         <p:nvSpPr>
-          <p:cNvPr id="5" name="PlaceHolder 2"/>
+          <p:cNvPr id="3" name="PlaceHolder 2"/>
           <p:cNvSpPr>
             <a:spLocks noGrp="1"/>
           </p:cNvSpPr>
@@ -698,7 +698,7 @@
         <p:spPr>
           <a:xfrm>
             <a:off x="457200" y="1203480"/>
-            <a:ext cx="8228880" cy="2982600"/>
+            <a:ext cx="8229240" cy="2982960"/>
           </a:xfrm>
           <a:prstGeom prst="rect">
             <a:avLst/>
@@ -739,7 +739,7 @@
       </p:grpSpPr>
       <p:sp>
         <p:nvSpPr>
-          <p:cNvPr id="6" name="PlaceHolder 1"/>
+          <p:cNvPr id="4" name="PlaceHolder 1"/>
           <p:cNvSpPr>
             <a:spLocks noGrp="1"/>
           </p:cNvSpPr>
@@ -749,8 +749,8 @@
         </p:nvSpPr>
         <p:spPr>
           <a:xfrm>
-            <a:off x="311760" y="744480"/>
-            <a:ext cx="8519400" cy="2051640"/>
+            <a:off x="457200" y="205200"/>
+            <a:ext cx="8229240" cy="858600"/>
           </a:xfrm>
           <a:prstGeom prst="rect">
             <a:avLst/>
@@ -770,7 +770,7 @@
       </p:sp>
       <p:sp>
         <p:nvSpPr>
-          <p:cNvPr id="7" name="PlaceHolder 2"/>
+          <p:cNvPr id="5" name="PlaceHolder 2"/>
           <p:cNvSpPr>
             <a:spLocks noGrp="1"/>
           </p:cNvSpPr>
@@ -781,37 +781,37 @@
         <p:spPr>
           <a:xfrm>
             <a:off x="457200" y="1203480"/>
-            <a:ext cx="4015440" cy="2982600"/>
-          </a:xfrm>
-          <a:prstGeom prst="rect">
-            <a:avLst/>
-          </a:prstGeom>
-        </p:spPr>
-        <p:txBody>
-          <a:bodyPr lIns="0" rIns="0" tIns="0" bIns="0">
-            <a:normAutofit/>
-          </a:bodyPr>
-          <a:p>
-            <a:endParaRPr b="0" lang="en-US" sz="3200" spc="-1" strike="noStrike">
-              <a:latin typeface="Arial"/>
-            </a:endParaRPr>
-          </a:p>
-        </p:txBody>
-      </p:sp>
-      <p:sp>
-        <p:nvSpPr>
-          <p:cNvPr id="8" name="PlaceHolder 3"/>
-          <p:cNvSpPr>
-            <a:spLocks noGrp="1"/>
-          </p:cNvSpPr>
-          <p:nvPr>
-            <p:ph type="body"/>
-          </p:nvPr>
-        </p:nvSpPr>
-        <p:spPr>
-          <a:xfrm>
-            <a:off x="4673880" y="1203480"/>
-            <a:ext cx="4015440" cy="2982600"/>
+            <a:ext cx="4015800" cy="2982960"/>
+          </a:xfrm>
+          <a:prstGeom prst="rect">
+            <a:avLst/>
+          </a:prstGeom>
+        </p:spPr>
+        <p:txBody>
+          <a:bodyPr lIns="0" rIns="0" tIns="0" bIns="0">
+            <a:normAutofit/>
+          </a:bodyPr>
+          <a:p>
+            <a:endParaRPr b="0" lang="en-US" sz="3200" spc="-1" strike="noStrike">
+              <a:latin typeface="Arial"/>
+            </a:endParaRPr>
+          </a:p>
+        </p:txBody>
+      </p:sp>
+      <p:sp>
+        <p:nvSpPr>
+          <p:cNvPr id="6" name="PlaceHolder 3"/>
+          <p:cNvSpPr>
+            <a:spLocks noGrp="1"/>
+          </p:cNvSpPr>
+          <p:nvPr>
+            <p:ph type="body"/>
+          </p:nvPr>
+        </p:nvSpPr>
+        <p:spPr>
+          <a:xfrm>
+            <a:off x="4674240" y="1203480"/>
+            <a:ext cx="4015800" cy="2982960"/>
           </a:xfrm>
           <a:prstGeom prst="rect">
             <a:avLst/>
@@ -852,7 +852,7 @@
       </p:grpSpPr>
       <p:sp>
         <p:nvSpPr>
-          <p:cNvPr id="9" name="PlaceHolder 1"/>
+          <p:cNvPr id="7" name="PlaceHolder 1"/>
           <p:cNvSpPr>
             <a:spLocks noGrp="1"/>
           </p:cNvSpPr>
@@ -862,8 +862,8 @@
         </p:nvSpPr>
         <p:spPr>
           <a:xfrm>
-            <a:off x="311760" y="744480"/>
-            <a:ext cx="8519400" cy="2051640"/>
+            <a:off x="457200" y="205200"/>
+            <a:ext cx="8229240" cy="858600"/>
           </a:xfrm>
           <a:prstGeom prst="rect">
             <a:avLst/>
@@ -905,7 +905,7 @@
       </p:grpSpPr>
       <p:sp>
         <p:nvSpPr>
-          <p:cNvPr id="10" name="PlaceHolder 1"/>
+          <p:cNvPr id="8" name="PlaceHolder 1"/>
           <p:cNvSpPr>
             <a:spLocks noGrp="1"/>
           </p:cNvSpPr>
@@ -915,8 +915,8 @@
         </p:nvSpPr>
         <p:spPr>
           <a:xfrm>
-            <a:off x="311760" y="744480"/>
-            <a:ext cx="8519400" cy="9511560"/>
+            <a:off x="457200" y="205200"/>
+            <a:ext cx="8229240" cy="3981240"/>
           </a:xfrm>
           <a:prstGeom prst="rect">
             <a:avLst/>
@@ -958,7 +958,7 @@
       </p:grpSpPr>
       <p:sp>
         <p:nvSpPr>
-          <p:cNvPr id="11" name="PlaceHolder 1"/>
+          <p:cNvPr id="9" name="PlaceHolder 1"/>
           <p:cNvSpPr>
             <a:spLocks noGrp="1"/>
           </p:cNvSpPr>
@@ -968,8 +968,8 @@
         </p:nvSpPr>
         <p:spPr>
           <a:xfrm>
-            <a:off x="311760" y="744480"/>
-            <a:ext cx="8519400" cy="2051640"/>
+            <a:off x="457200" y="205200"/>
+            <a:ext cx="8229240" cy="858600"/>
           </a:xfrm>
           <a:prstGeom prst="rect">
             <a:avLst/>
@@ -989,7 +989,7 @@
       </p:sp>
       <p:sp>
         <p:nvSpPr>
-          <p:cNvPr id="12" name="PlaceHolder 2"/>
+          <p:cNvPr id="10" name="PlaceHolder 2"/>
           <p:cNvSpPr>
             <a:spLocks noGrp="1"/>
           </p:cNvSpPr>
@@ -1000,67 +1000,67 @@
         <p:spPr>
           <a:xfrm>
             <a:off x="457200" y="1203480"/>
-            <a:ext cx="4015440" cy="1422360"/>
-          </a:xfrm>
-          <a:prstGeom prst="rect">
-            <a:avLst/>
-          </a:prstGeom>
-        </p:spPr>
-        <p:txBody>
-          <a:bodyPr lIns="0" rIns="0" tIns="0" bIns="0">
-            <a:normAutofit/>
-          </a:bodyPr>
-          <a:p>
-            <a:endParaRPr b="0" lang="en-US" sz="3200" spc="-1" strike="noStrike">
-              <a:latin typeface="Arial"/>
-            </a:endParaRPr>
-          </a:p>
-        </p:txBody>
-      </p:sp>
-      <p:sp>
-        <p:nvSpPr>
-          <p:cNvPr id="13" name="PlaceHolder 3"/>
-          <p:cNvSpPr>
-            <a:spLocks noGrp="1"/>
-          </p:cNvSpPr>
-          <p:nvPr>
-            <p:ph type="body"/>
-          </p:nvPr>
-        </p:nvSpPr>
-        <p:spPr>
-          <a:xfrm>
-            <a:off x="4673880" y="1203480"/>
-            <a:ext cx="4015440" cy="2982600"/>
-          </a:xfrm>
-          <a:prstGeom prst="rect">
-            <a:avLst/>
-          </a:prstGeom>
-        </p:spPr>
-        <p:txBody>
-          <a:bodyPr lIns="0" rIns="0" tIns="0" bIns="0">
-            <a:normAutofit/>
-          </a:bodyPr>
-          <a:p>
-            <a:endParaRPr b="0" lang="en-US" sz="3200" spc="-1" strike="noStrike">
-              <a:latin typeface="Arial"/>
-            </a:endParaRPr>
-          </a:p>
-        </p:txBody>
-      </p:sp>
-      <p:sp>
-        <p:nvSpPr>
-          <p:cNvPr id="14" name="PlaceHolder 4"/>
-          <p:cNvSpPr>
-            <a:spLocks noGrp="1"/>
-          </p:cNvSpPr>
-          <p:nvPr>
-            <p:ph type="body"/>
-          </p:nvPr>
-        </p:nvSpPr>
-        <p:spPr>
-          <a:xfrm>
-            <a:off x="457200" y="2761200"/>
-            <a:ext cx="4015440" cy="1422360"/>
+            <a:ext cx="4015800" cy="1422720"/>
+          </a:xfrm>
+          <a:prstGeom prst="rect">
+            <a:avLst/>
+          </a:prstGeom>
+        </p:spPr>
+        <p:txBody>
+          <a:bodyPr lIns="0" rIns="0" tIns="0" bIns="0">
+            <a:normAutofit/>
+          </a:bodyPr>
+          <a:p>
+            <a:endParaRPr b="0" lang="en-US" sz="3200" spc="-1" strike="noStrike">
+              <a:latin typeface="Arial"/>
+            </a:endParaRPr>
+          </a:p>
+        </p:txBody>
+      </p:sp>
+      <p:sp>
+        <p:nvSpPr>
+          <p:cNvPr id="11" name="PlaceHolder 3"/>
+          <p:cNvSpPr>
+            <a:spLocks noGrp="1"/>
+          </p:cNvSpPr>
+          <p:nvPr>
+            <p:ph type="body"/>
+          </p:nvPr>
+        </p:nvSpPr>
+        <p:spPr>
+          <a:xfrm>
+            <a:off x="4674240" y="1203480"/>
+            <a:ext cx="4015800" cy="2982960"/>
+          </a:xfrm>
+          <a:prstGeom prst="rect">
+            <a:avLst/>
+          </a:prstGeom>
+        </p:spPr>
+        <p:txBody>
+          <a:bodyPr lIns="0" rIns="0" tIns="0" bIns="0">
+            <a:normAutofit/>
+          </a:bodyPr>
+          <a:p>
+            <a:endParaRPr b="0" lang="en-US" sz="3200" spc="-1" strike="noStrike">
+              <a:latin typeface="Arial"/>
+            </a:endParaRPr>
+          </a:p>
+        </p:txBody>
+      </p:sp>
+      <p:sp>
+        <p:nvSpPr>
+          <p:cNvPr id="12" name="PlaceHolder 4"/>
+          <p:cNvSpPr>
+            <a:spLocks noGrp="1"/>
+          </p:cNvSpPr>
+          <p:nvPr>
+            <p:ph type="body"/>
+          </p:nvPr>
+        </p:nvSpPr>
+        <p:spPr>
+          <a:xfrm>
+            <a:off x="457200" y="2761920"/>
+            <a:ext cx="4015800" cy="1422720"/>
           </a:xfrm>
           <a:prstGeom prst="rect">
             <a:avLst/>
@@ -1101,7 +1101,7 @@
       </p:grpSpPr>
       <p:sp>
         <p:nvSpPr>
-          <p:cNvPr id="15" name="PlaceHolder 1"/>
+          <p:cNvPr id="13" name="PlaceHolder 1"/>
           <p:cNvSpPr>
             <a:spLocks noGrp="1"/>
           </p:cNvSpPr>
@@ -1111,8 +1111,8 @@
         </p:nvSpPr>
         <p:spPr>
           <a:xfrm>
-            <a:off x="311760" y="744480"/>
-            <a:ext cx="8519400" cy="2051640"/>
+            <a:off x="457200" y="205200"/>
+            <a:ext cx="8229240" cy="858600"/>
           </a:xfrm>
           <a:prstGeom prst="rect">
             <a:avLst/>
@@ -1132,7 +1132,7 @@
       </p:sp>
       <p:sp>
         <p:nvSpPr>
-          <p:cNvPr id="16" name="PlaceHolder 2"/>
+          <p:cNvPr id="14" name="PlaceHolder 2"/>
           <p:cNvSpPr>
             <a:spLocks noGrp="1"/>
           </p:cNvSpPr>
@@ -1143,67 +1143,67 @@
         <p:spPr>
           <a:xfrm>
             <a:off x="457200" y="1203480"/>
-            <a:ext cx="4015440" cy="2982600"/>
-          </a:xfrm>
-          <a:prstGeom prst="rect">
-            <a:avLst/>
-          </a:prstGeom>
-        </p:spPr>
-        <p:txBody>
-          <a:bodyPr lIns="0" rIns="0" tIns="0" bIns="0">
-            <a:normAutofit/>
-          </a:bodyPr>
-          <a:p>
-            <a:endParaRPr b="0" lang="en-US" sz="3200" spc="-1" strike="noStrike">
-              <a:latin typeface="Arial"/>
-            </a:endParaRPr>
-          </a:p>
-        </p:txBody>
-      </p:sp>
-      <p:sp>
-        <p:nvSpPr>
-          <p:cNvPr id="17" name="PlaceHolder 3"/>
-          <p:cNvSpPr>
-            <a:spLocks noGrp="1"/>
-          </p:cNvSpPr>
-          <p:nvPr>
-            <p:ph type="body"/>
-          </p:nvPr>
-        </p:nvSpPr>
-        <p:spPr>
-          <a:xfrm>
-            <a:off x="4673880" y="1203480"/>
-            <a:ext cx="4015440" cy="1422360"/>
-          </a:xfrm>
-          <a:prstGeom prst="rect">
-            <a:avLst/>
-          </a:prstGeom>
-        </p:spPr>
-        <p:txBody>
-          <a:bodyPr lIns="0" rIns="0" tIns="0" bIns="0">
-            <a:normAutofit/>
-          </a:bodyPr>
-          <a:p>
-            <a:endParaRPr b="0" lang="en-US" sz="3200" spc="-1" strike="noStrike">
-              <a:latin typeface="Arial"/>
-            </a:endParaRPr>
-          </a:p>
-        </p:txBody>
-      </p:sp>
-      <p:sp>
-        <p:nvSpPr>
-          <p:cNvPr id="18" name="PlaceHolder 4"/>
-          <p:cNvSpPr>
-            <a:spLocks noGrp="1"/>
-          </p:cNvSpPr>
-          <p:nvPr>
-            <p:ph type="body"/>
-          </p:nvPr>
-        </p:nvSpPr>
-        <p:spPr>
-          <a:xfrm>
-            <a:off x="4673880" y="2761200"/>
-            <a:ext cx="4015440" cy="1422360"/>
+            <a:ext cx="4015800" cy="2982960"/>
+          </a:xfrm>
+          <a:prstGeom prst="rect">
+            <a:avLst/>
+          </a:prstGeom>
+        </p:spPr>
+        <p:txBody>
+          <a:bodyPr lIns="0" rIns="0" tIns="0" bIns="0">
+            <a:normAutofit/>
+          </a:bodyPr>
+          <a:p>
+            <a:endParaRPr b="0" lang="en-US" sz="3200" spc="-1" strike="noStrike">
+              <a:latin typeface="Arial"/>
+            </a:endParaRPr>
+          </a:p>
+        </p:txBody>
+      </p:sp>
+      <p:sp>
+        <p:nvSpPr>
+          <p:cNvPr id="15" name="PlaceHolder 3"/>
+          <p:cNvSpPr>
+            <a:spLocks noGrp="1"/>
+          </p:cNvSpPr>
+          <p:nvPr>
+            <p:ph type="body"/>
+          </p:nvPr>
+        </p:nvSpPr>
+        <p:spPr>
+          <a:xfrm>
+            <a:off x="4674240" y="1203480"/>
+            <a:ext cx="4015800" cy="1422720"/>
+          </a:xfrm>
+          <a:prstGeom prst="rect">
+            <a:avLst/>
+          </a:prstGeom>
+        </p:spPr>
+        <p:txBody>
+          <a:bodyPr lIns="0" rIns="0" tIns="0" bIns="0">
+            <a:normAutofit/>
+          </a:bodyPr>
+          <a:p>
+            <a:endParaRPr b="0" lang="en-US" sz="3200" spc="-1" strike="noStrike">
+              <a:latin typeface="Arial"/>
+            </a:endParaRPr>
+          </a:p>
+        </p:txBody>
+      </p:sp>
+      <p:sp>
+        <p:nvSpPr>
+          <p:cNvPr id="16" name="PlaceHolder 4"/>
+          <p:cNvSpPr>
+            <a:spLocks noGrp="1"/>
+          </p:cNvSpPr>
+          <p:nvPr>
+            <p:ph type="body"/>
+          </p:nvPr>
+        </p:nvSpPr>
+        <p:spPr>
+          <a:xfrm>
+            <a:off x="4674240" y="2761920"/>
+            <a:ext cx="4015800" cy="1422720"/>
           </a:xfrm>
           <a:prstGeom prst="rect">
             <a:avLst/>
@@ -1244,7 +1244,7 @@
       </p:grpSpPr>
       <p:sp>
         <p:nvSpPr>
-          <p:cNvPr id="19" name="PlaceHolder 1"/>
+          <p:cNvPr id="17" name="PlaceHolder 1"/>
           <p:cNvSpPr>
             <a:spLocks noGrp="1"/>
           </p:cNvSpPr>
@@ -1254,8 +1254,8 @@
         </p:nvSpPr>
         <p:spPr>
           <a:xfrm>
-            <a:off x="311760" y="744480"/>
-            <a:ext cx="8519400" cy="2051640"/>
+            <a:off x="457200" y="205200"/>
+            <a:ext cx="8229240" cy="858600"/>
           </a:xfrm>
           <a:prstGeom prst="rect">
             <a:avLst/>
@@ -1275,7 +1275,7 @@
       </p:sp>
       <p:sp>
         <p:nvSpPr>
-          <p:cNvPr id="20" name="PlaceHolder 2"/>
+          <p:cNvPr id="18" name="PlaceHolder 2"/>
           <p:cNvSpPr>
             <a:spLocks noGrp="1"/>
           </p:cNvSpPr>
@@ -1286,67 +1286,67 @@
         <p:spPr>
           <a:xfrm>
             <a:off x="457200" y="1203480"/>
-            <a:ext cx="4015440" cy="1422360"/>
-          </a:xfrm>
-          <a:prstGeom prst="rect">
-            <a:avLst/>
-          </a:prstGeom>
-        </p:spPr>
-        <p:txBody>
-          <a:bodyPr lIns="0" rIns="0" tIns="0" bIns="0">
-            <a:normAutofit/>
-          </a:bodyPr>
-          <a:p>
-            <a:endParaRPr b="0" lang="en-US" sz="3200" spc="-1" strike="noStrike">
-              <a:latin typeface="Arial"/>
-            </a:endParaRPr>
-          </a:p>
-        </p:txBody>
-      </p:sp>
-      <p:sp>
-        <p:nvSpPr>
-          <p:cNvPr id="21" name="PlaceHolder 3"/>
-          <p:cNvSpPr>
-            <a:spLocks noGrp="1"/>
-          </p:cNvSpPr>
-          <p:nvPr>
-            <p:ph type="body"/>
-          </p:nvPr>
-        </p:nvSpPr>
-        <p:spPr>
-          <a:xfrm>
-            <a:off x="4673880" y="1203480"/>
-            <a:ext cx="4015440" cy="1422360"/>
-          </a:xfrm>
-          <a:prstGeom prst="rect">
-            <a:avLst/>
-          </a:prstGeom>
-        </p:spPr>
-        <p:txBody>
-          <a:bodyPr lIns="0" rIns="0" tIns="0" bIns="0">
-            <a:normAutofit/>
-          </a:bodyPr>
-          <a:p>
-            <a:endParaRPr b="0" lang="en-US" sz="3200" spc="-1" strike="noStrike">
-              <a:latin typeface="Arial"/>
-            </a:endParaRPr>
-          </a:p>
-        </p:txBody>
-      </p:sp>
-      <p:sp>
-        <p:nvSpPr>
-          <p:cNvPr id="22" name="PlaceHolder 4"/>
-          <p:cNvSpPr>
-            <a:spLocks noGrp="1"/>
-          </p:cNvSpPr>
-          <p:nvPr>
-            <p:ph type="body"/>
-          </p:nvPr>
-        </p:nvSpPr>
-        <p:spPr>
-          <a:xfrm>
-            <a:off x="457200" y="2761200"/>
-            <a:ext cx="8228880" cy="1422360"/>
+            <a:ext cx="4015800" cy="1422720"/>
+          </a:xfrm>
+          <a:prstGeom prst="rect">
+            <a:avLst/>
+          </a:prstGeom>
+        </p:spPr>
+        <p:txBody>
+          <a:bodyPr lIns="0" rIns="0" tIns="0" bIns="0">
+            <a:normAutofit/>
+          </a:bodyPr>
+          <a:p>
+            <a:endParaRPr b="0" lang="en-US" sz="3200" spc="-1" strike="noStrike">
+              <a:latin typeface="Arial"/>
+            </a:endParaRPr>
+          </a:p>
+        </p:txBody>
+      </p:sp>
+      <p:sp>
+        <p:nvSpPr>
+          <p:cNvPr id="19" name="PlaceHolder 3"/>
+          <p:cNvSpPr>
+            <a:spLocks noGrp="1"/>
+          </p:cNvSpPr>
+          <p:nvPr>
+            <p:ph type="body"/>
+          </p:nvPr>
+        </p:nvSpPr>
+        <p:spPr>
+          <a:xfrm>
+            <a:off x="4674240" y="1203480"/>
+            <a:ext cx="4015800" cy="1422720"/>
+          </a:xfrm>
+          <a:prstGeom prst="rect">
+            <a:avLst/>
+          </a:prstGeom>
+        </p:spPr>
+        <p:txBody>
+          <a:bodyPr lIns="0" rIns="0" tIns="0" bIns="0">
+            <a:normAutofit/>
+          </a:bodyPr>
+          <a:p>
+            <a:endParaRPr b="0" lang="en-US" sz="3200" spc="-1" strike="noStrike">
+              <a:latin typeface="Arial"/>
+            </a:endParaRPr>
+          </a:p>
+        </p:txBody>
+      </p:sp>
+      <p:sp>
+        <p:nvSpPr>
+          <p:cNvPr id="20" name="PlaceHolder 4"/>
+          <p:cNvSpPr>
+            <a:spLocks noGrp="1"/>
+          </p:cNvSpPr>
+          <p:nvPr>
+            <p:ph type="body"/>
+          </p:nvPr>
+        </p:nvSpPr>
+        <p:spPr>
+          <a:xfrm>
+            <a:off x="457200" y="2761920"/>
+            <a:ext cx="8229240" cy="1422720"/>
           </a:xfrm>
           <a:prstGeom prst="rect">
             <a:avLst/>
@@ -1392,221 +1392,6 @@
           <a:chExt cx="0" cy="0"/>
         </a:xfrm>
       </p:grpSpPr>
-      <p:sp>
-        <p:nvSpPr>
-          <p:cNvPr id="0" name="PlaceHolder 1"/>
-          <p:cNvSpPr>
-            <a:spLocks noGrp="1"/>
-          </p:cNvSpPr>
-          <p:nvPr>
-            <p:ph type="title"/>
-          </p:nvPr>
-        </p:nvSpPr>
-        <p:spPr>
-          <a:xfrm>
-            <a:off x="311760" y="744480"/>
-            <a:ext cx="8519400" cy="2051640"/>
-          </a:xfrm>
-          <a:prstGeom prst="rect">
-            <a:avLst/>
-          </a:prstGeom>
-        </p:spPr>
-        <p:txBody>
-          <a:bodyPr lIns="0" rIns="0" tIns="0" bIns="0" anchor="ctr">
-            <a:noAutofit/>
-          </a:bodyPr>
-          <a:p>
-            <a:r>
-              <a:rPr b="0" lang="en-US" sz="1800" spc="-1" strike="noStrike">
-                <a:latin typeface="Arial"/>
-              </a:rPr>
-              <a:t>Click to edit the title text format</a:t>
-            </a:r>
-            <a:endParaRPr b="0" lang="en-US" sz="1800" spc="-1" strike="noStrike">
-              <a:latin typeface="Arial"/>
-            </a:endParaRPr>
-          </a:p>
-        </p:txBody>
-      </p:sp>
-      <p:sp>
-        <p:nvSpPr>
-          <p:cNvPr id="1" name="PlaceHolder 2"/>
-          <p:cNvSpPr>
-            <a:spLocks noGrp="1"/>
-          </p:cNvSpPr>
-          <p:nvPr>
-            <p:ph type="body"/>
-          </p:nvPr>
-        </p:nvSpPr>
-        <p:spPr>
-          <a:xfrm>
-            <a:off x="457200" y="1203480"/>
-            <a:ext cx="8228880" cy="2982600"/>
-          </a:xfrm>
-          <a:prstGeom prst="rect">
-            <a:avLst/>
-          </a:prstGeom>
-        </p:spPr>
-        <p:txBody>
-          <a:bodyPr lIns="0" rIns="0" tIns="0" bIns="0">
-            <a:normAutofit/>
-          </a:bodyPr>
-          <a:p>
-            <a:pPr marL="432000" indent="-324000">
-              <a:spcBef>
-                <a:spcPts val="1417"/>
-              </a:spcBef>
-              <a:buClr>
-                <a:srgbClr val="000000"/>
-              </a:buClr>
-              <a:buSzPct val="45000"/>
-              <a:buFont typeface="Wingdings" charset="2"/>
-              <a:buChar char=""/>
-            </a:pPr>
-            <a:r>
-              <a:rPr b="0" lang="en-US" sz="1800" spc="-1" strike="noStrike">
-                <a:latin typeface="Arial"/>
-              </a:rPr>
-              <a:t>Click to edit the outline text format</a:t>
-            </a:r>
-            <a:endParaRPr b="0" lang="en-US" sz="1800" spc="-1" strike="noStrike">
-              <a:latin typeface="Arial"/>
-            </a:endParaRPr>
-          </a:p>
-          <a:p>
-            <a:pPr lvl="1" marL="864000" indent="-324000">
-              <a:spcBef>
-                <a:spcPts val="1134"/>
-              </a:spcBef>
-              <a:buClr>
-                <a:srgbClr val="000000"/>
-              </a:buClr>
-              <a:buSzPct val="75000"/>
-              <a:buFont typeface="Symbol" charset="2"/>
-              <a:buChar char=""/>
-            </a:pPr>
-            <a:r>
-              <a:rPr b="0" lang="en-US" sz="1800" spc="-1" strike="noStrike">
-                <a:latin typeface="Arial"/>
-              </a:rPr>
-              <a:t>Second Outline Level</a:t>
-            </a:r>
-            <a:endParaRPr b="0" lang="en-US" sz="1800" spc="-1" strike="noStrike">
-              <a:latin typeface="Arial"/>
-            </a:endParaRPr>
-          </a:p>
-          <a:p>
-            <a:pPr lvl="2" marL="1296000" indent="-288000">
-              <a:spcBef>
-                <a:spcPts val="850"/>
-              </a:spcBef>
-              <a:buClr>
-                <a:srgbClr val="000000"/>
-              </a:buClr>
-              <a:buSzPct val="45000"/>
-              <a:buFont typeface="Wingdings" charset="2"/>
-              <a:buChar char=""/>
-            </a:pPr>
-            <a:r>
-              <a:rPr b="0" lang="en-US" sz="1800" spc="-1" strike="noStrike">
-                <a:latin typeface="Arial"/>
-              </a:rPr>
-              <a:t>Third Outline Level</a:t>
-            </a:r>
-            <a:endParaRPr b="0" lang="en-US" sz="1800" spc="-1" strike="noStrike">
-              <a:latin typeface="Arial"/>
-            </a:endParaRPr>
-          </a:p>
-          <a:p>
-            <a:pPr lvl="3" marL="1728000" indent="-216000">
-              <a:spcBef>
-                <a:spcPts val="567"/>
-              </a:spcBef>
-              <a:buClr>
-                <a:srgbClr val="000000"/>
-              </a:buClr>
-              <a:buSzPct val="75000"/>
-              <a:buFont typeface="Symbol" charset="2"/>
-              <a:buChar char=""/>
-            </a:pPr>
-            <a:r>
-              <a:rPr b="0" lang="en-US" sz="1800" spc="-1" strike="noStrike">
-                <a:latin typeface="Arial"/>
-              </a:rPr>
-              <a:t>Fourth Outline Level</a:t>
-            </a:r>
-            <a:endParaRPr b="0" lang="en-US" sz="1800" spc="-1" strike="noStrike">
-              <a:latin typeface="Arial"/>
-            </a:endParaRPr>
-          </a:p>
-          <a:p>
-            <a:pPr lvl="4" marL="2160000" indent="-216000">
-              <a:spcBef>
-                <a:spcPts val="283"/>
-              </a:spcBef>
-              <a:buClr>
-                <a:srgbClr val="000000"/>
-              </a:buClr>
-              <a:buSzPct val="45000"/>
-              <a:buFont typeface="Wingdings" charset="2"/>
-              <a:buChar char=""/>
-            </a:pPr>
-            <a:r>
-              <a:rPr b="0" lang="en-US" sz="1800" spc="-1" strike="noStrike">
-                <a:latin typeface="Arial"/>
-              </a:rPr>
-              <a:t>Fifth Outline Level</a:t>
-            </a:r>
-            <a:endParaRPr b="0" lang="en-US" sz="1800" spc="-1" strike="noStrike">
-              <a:latin typeface="Arial"/>
-            </a:endParaRPr>
-          </a:p>
-          <a:p>
-            <a:pPr lvl="5" marL="2592000" indent="-216000">
-              <a:spcBef>
-                <a:spcPts val="283"/>
-              </a:spcBef>
-              <a:buClr>
-                <a:srgbClr val="000000"/>
-              </a:buClr>
-              <a:buSzPct val="45000"/>
-              <a:buFont typeface="Wingdings" charset="2"/>
-              <a:buChar char=""/>
-            </a:pPr>
-            <a:r>
-              <a:rPr b="0" lang="en-US" sz="1800" spc="-1" strike="noStrike">
-                <a:latin typeface="Arial"/>
-              </a:rPr>
-              <a:t>Sixth Outline Level</a:t>
-            </a:r>
-            <a:endParaRPr b="0" lang="en-US" sz="1800" spc="-1" strike="noStrike">
-              <a:latin typeface="Arial"/>
-            </a:endParaRPr>
-          </a:p>
-          <a:p>
-            <a:pPr lvl="6" marL="3024000" indent="-216000">
-              <a:spcBef>
-                <a:spcPts val="283"/>
-              </a:spcBef>
-              <a:buClr>
-                <a:srgbClr val="000000"/>
-              </a:buClr>
-              <a:buSzPct val="45000"/>
-              <a:buFont typeface="Wingdings" charset="2"/>
-              <a:buChar char=""/>
-            </a:pPr>
-            <a:r>
-              <a:rPr b="0" lang="en-US" sz="1800" spc="-1" strike="noStrike">
-                <a:latin typeface="Arial"/>
-              </a:rPr>
-              <a:t>Seventh Outline Level</a:t>
-            </a:r>
-            <a:endParaRPr b="0" lang="en-US" sz="1800" spc="-1" strike="noStrike">
-              <a:latin typeface="Arial"/>
-            </a:endParaRPr>
-          </a:p>
-        </p:txBody>
-      </p:sp>
     </p:spTree>
   </p:cSld>
   <p:clrMap bg1="lt1" bg2="lt2" tx1="dk1" tx2="dk2" accent1="accent1" accent2="accent2" accent3="accent3" accent4="accent4" accent5="accent5" accent6="accent6" hlink="hlink" folHlink="folHlink"/>
@@ -1646,14 +1431,14 @@
       </p:grpSpPr>
       <p:sp>
         <p:nvSpPr>
-          <p:cNvPr id="38" name="awardData"/>
+          <p:cNvPr id="36" name="awardData"/>
           <p:cNvSpPr/>
           <p:nvPr/>
         </p:nvSpPr>
         <p:spPr>
           <a:xfrm>
             <a:off x="1452960" y="1629720"/>
-            <a:ext cx="6179400" cy="2377080"/>
+            <a:ext cx="6179040" cy="2376720"/>
           </a:xfrm>
           <a:prstGeom prst="rect">
             <a:avLst/>
@@ -1782,7 +1567,7 @@
                 <a:latin typeface="Cambria"/>
                 <a:ea typeface="Cambria"/>
               </a:rPr>
-              <a:t>2023</a:t>
+              <a:t>2024</a:t>
             </a:r>
             <a:endParaRPr b="0" lang="en-US" sz="2100" spc="-1" strike="noStrike">
               <a:latin typeface="Arial"/>
@@ -1815,14 +1600,14 @@
       </p:sp>
       <p:sp>
         <p:nvSpPr>
-          <p:cNvPr id="39" name="Google Shape;61;p14"/>
+          <p:cNvPr id="37" name="Google Shape;61;p14"/>
           <p:cNvSpPr/>
           <p:nvPr/>
         </p:nvSpPr>
         <p:spPr>
           <a:xfrm>
             <a:off x="2118240" y="4561200"/>
-            <a:ext cx="4906440" cy="360"/>
+            <a:ext cx="4906080" cy="360"/>
           </a:xfrm>
           <a:custGeom>
             <a:avLst/>
@@ -1857,7 +1642,7 @@
       </p:sp>
       <p:pic>
         <p:nvPicPr>
-          <p:cNvPr id="40" name="Google Shape;62;p14" descr=""/>
+          <p:cNvPr id="38" name="Google Shape;62;p14" descr=""/>
           <p:cNvPicPr/>
           <p:nvPr/>
         </p:nvPicPr>
@@ -1868,7 +1653,7 @@
         <p:spPr>
           <a:xfrm>
             <a:off x="3719160" y="129240"/>
-            <a:ext cx="1704960" cy="1551240"/>
+            <a:ext cx="1704600" cy="1550880"/>
           </a:xfrm>
           <a:prstGeom prst="rect">
             <a:avLst/>
@@ -1880,7 +1665,7 @@
       </p:pic>
       <p:pic>
         <p:nvPicPr>
-          <p:cNvPr id="41" name="Google Shape;63;p14" descr=""/>
+          <p:cNvPr id="39" name="Google Shape;63;p14" descr=""/>
           <p:cNvPicPr/>
           <p:nvPr/>
         </p:nvPicPr>
@@ -1891,7 +1676,7 @@
         <p:spPr>
           <a:xfrm>
             <a:off x="457200" y="2086920"/>
-            <a:ext cx="1342080" cy="1342080"/>
+            <a:ext cx="1341720" cy="1341720"/>
           </a:xfrm>
           <a:prstGeom prst="rect">
             <a:avLst/>

--- a/templates/genericAward_template.pptx
+++ b/templates/genericAward_template.pptx
@@ -53,7 +53,7 @@
       </p:grpSpPr>
       <p:sp>
         <p:nvSpPr>
-          <p:cNvPr id="21" name="PlaceHolder 1"/>
+          <p:cNvPr id="23" name="PlaceHolder 1"/>
           <p:cNvSpPr>
             <a:spLocks noGrp="1"/>
           </p:cNvSpPr>
@@ -84,7 +84,7 @@
       </p:sp>
       <p:sp>
         <p:nvSpPr>
-          <p:cNvPr id="22" name="PlaceHolder 2"/>
+          <p:cNvPr id="24" name="PlaceHolder 2"/>
           <p:cNvSpPr>
             <a:spLocks noGrp="1"/>
           </p:cNvSpPr>
@@ -114,7 +114,7 @@
       </p:sp>
       <p:sp>
         <p:nvSpPr>
-          <p:cNvPr id="23" name="PlaceHolder 3"/>
+          <p:cNvPr id="25" name="PlaceHolder 3"/>
           <p:cNvSpPr>
             <a:spLocks noGrp="1"/>
           </p:cNvSpPr>
@@ -166,7 +166,7 @@
       </p:grpSpPr>
       <p:sp>
         <p:nvSpPr>
-          <p:cNvPr id="24" name="PlaceHolder 1"/>
+          <p:cNvPr id="26" name="PlaceHolder 1"/>
           <p:cNvSpPr>
             <a:spLocks noGrp="1"/>
           </p:cNvSpPr>
@@ -197,7 +197,7 @@
       </p:sp>
       <p:sp>
         <p:nvSpPr>
-          <p:cNvPr id="25" name="PlaceHolder 2"/>
+          <p:cNvPr id="27" name="PlaceHolder 2"/>
           <p:cNvSpPr>
             <a:spLocks noGrp="1"/>
           </p:cNvSpPr>
@@ -227,7 +227,7 @@
       </p:sp>
       <p:sp>
         <p:nvSpPr>
-          <p:cNvPr id="26" name="PlaceHolder 3"/>
+          <p:cNvPr id="28" name="PlaceHolder 3"/>
           <p:cNvSpPr>
             <a:spLocks noGrp="1"/>
           </p:cNvSpPr>
@@ -257,7 +257,7 @@
       </p:sp>
       <p:sp>
         <p:nvSpPr>
-          <p:cNvPr id="27" name="PlaceHolder 4"/>
+          <p:cNvPr id="29" name="PlaceHolder 4"/>
           <p:cNvSpPr>
             <a:spLocks noGrp="1"/>
           </p:cNvSpPr>
@@ -287,7 +287,7 @@
       </p:sp>
       <p:sp>
         <p:nvSpPr>
-          <p:cNvPr id="28" name="PlaceHolder 5"/>
+          <p:cNvPr id="30" name="PlaceHolder 5"/>
           <p:cNvSpPr>
             <a:spLocks noGrp="1"/>
           </p:cNvSpPr>
@@ -339,7 +339,7 @@
       </p:grpSpPr>
       <p:sp>
         <p:nvSpPr>
-          <p:cNvPr id="29" name="PlaceHolder 1"/>
+          <p:cNvPr id="31" name="PlaceHolder 1"/>
           <p:cNvSpPr>
             <a:spLocks noGrp="1"/>
           </p:cNvSpPr>
@@ -370,7 +370,7 @@
       </p:sp>
       <p:sp>
         <p:nvSpPr>
-          <p:cNvPr id="30" name="PlaceHolder 2"/>
+          <p:cNvPr id="32" name="PlaceHolder 2"/>
           <p:cNvSpPr>
             <a:spLocks noGrp="1"/>
           </p:cNvSpPr>
@@ -400,7 +400,7 @@
       </p:sp>
       <p:sp>
         <p:nvSpPr>
-          <p:cNvPr id="31" name="PlaceHolder 3"/>
+          <p:cNvPr id="33" name="PlaceHolder 3"/>
           <p:cNvSpPr>
             <a:spLocks noGrp="1"/>
           </p:cNvSpPr>
@@ -430,7 +430,7 @@
       </p:sp>
       <p:sp>
         <p:nvSpPr>
-          <p:cNvPr id="32" name="PlaceHolder 4"/>
+          <p:cNvPr id="34" name="PlaceHolder 4"/>
           <p:cNvSpPr>
             <a:spLocks noGrp="1"/>
           </p:cNvSpPr>
@@ -460,7 +460,7 @@
       </p:sp>
       <p:sp>
         <p:nvSpPr>
-          <p:cNvPr id="33" name="PlaceHolder 5"/>
+          <p:cNvPr id="35" name="PlaceHolder 5"/>
           <p:cNvSpPr>
             <a:spLocks noGrp="1"/>
           </p:cNvSpPr>
@@ -490,7 +490,7 @@
       </p:sp>
       <p:sp>
         <p:nvSpPr>
-          <p:cNvPr id="34" name="PlaceHolder 6"/>
+          <p:cNvPr id="36" name="PlaceHolder 6"/>
           <p:cNvSpPr>
             <a:spLocks noGrp="1"/>
           </p:cNvSpPr>
@@ -520,7 +520,7 @@
       </p:sp>
       <p:sp>
         <p:nvSpPr>
-          <p:cNvPr id="35" name="PlaceHolder 7"/>
+          <p:cNvPr id="37" name="PlaceHolder 7"/>
           <p:cNvSpPr>
             <a:spLocks noGrp="1"/>
           </p:cNvSpPr>
@@ -572,7 +572,7 @@
       </p:grpSpPr>
       <p:sp>
         <p:nvSpPr>
-          <p:cNvPr id="0" name="PlaceHolder 1"/>
+          <p:cNvPr id="2" name="PlaceHolder 1"/>
           <p:cNvSpPr>
             <a:spLocks noGrp="1"/>
           </p:cNvSpPr>
@@ -603,7 +603,7 @@
       </p:sp>
       <p:sp>
         <p:nvSpPr>
-          <p:cNvPr id="1" name="PlaceHolder 2"/>
+          <p:cNvPr id="3" name="PlaceHolder 2"/>
           <p:cNvSpPr>
             <a:spLocks noGrp="1"/>
           </p:cNvSpPr>
@@ -656,7 +656,7 @@
       </p:grpSpPr>
       <p:sp>
         <p:nvSpPr>
-          <p:cNvPr id="2" name="PlaceHolder 1"/>
+          <p:cNvPr id="4" name="PlaceHolder 1"/>
           <p:cNvSpPr>
             <a:spLocks noGrp="1"/>
           </p:cNvSpPr>
@@ -687,7 +687,7 @@
       </p:sp>
       <p:sp>
         <p:nvSpPr>
-          <p:cNvPr id="3" name="PlaceHolder 2"/>
+          <p:cNvPr id="5" name="PlaceHolder 2"/>
           <p:cNvSpPr>
             <a:spLocks noGrp="1"/>
           </p:cNvSpPr>
@@ -739,7 +739,7 @@
       </p:grpSpPr>
       <p:sp>
         <p:nvSpPr>
-          <p:cNvPr id="4" name="PlaceHolder 1"/>
+          <p:cNvPr id="6" name="PlaceHolder 1"/>
           <p:cNvSpPr>
             <a:spLocks noGrp="1"/>
           </p:cNvSpPr>
@@ -770,7 +770,7 @@
       </p:sp>
       <p:sp>
         <p:nvSpPr>
-          <p:cNvPr id="5" name="PlaceHolder 2"/>
+          <p:cNvPr id="7" name="PlaceHolder 2"/>
           <p:cNvSpPr>
             <a:spLocks noGrp="1"/>
           </p:cNvSpPr>
@@ -800,7 +800,7 @@
       </p:sp>
       <p:sp>
         <p:nvSpPr>
-          <p:cNvPr id="6" name="PlaceHolder 3"/>
+          <p:cNvPr id="8" name="PlaceHolder 3"/>
           <p:cNvSpPr>
             <a:spLocks noGrp="1"/>
           </p:cNvSpPr>
@@ -852,7 +852,7 @@
       </p:grpSpPr>
       <p:sp>
         <p:nvSpPr>
-          <p:cNvPr id="7" name="PlaceHolder 1"/>
+          <p:cNvPr id="9" name="PlaceHolder 1"/>
           <p:cNvSpPr>
             <a:spLocks noGrp="1"/>
           </p:cNvSpPr>
@@ -905,7 +905,7 @@
       </p:grpSpPr>
       <p:sp>
         <p:nvSpPr>
-          <p:cNvPr id="8" name="PlaceHolder 1"/>
+          <p:cNvPr id="10" name="PlaceHolder 1"/>
           <p:cNvSpPr>
             <a:spLocks noGrp="1"/>
           </p:cNvSpPr>
@@ -958,7 +958,7 @@
       </p:grpSpPr>
       <p:sp>
         <p:nvSpPr>
-          <p:cNvPr id="9" name="PlaceHolder 1"/>
+          <p:cNvPr id="11" name="PlaceHolder 1"/>
           <p:cNvSpPr>
             <a:spLocks noGrp="1"/>
           </p:cNvSpPr>
@@ -989,7 +989,7 @@
       </p:sp>
       <p:sp>
         <p:nvSpPr>
-          <p:cNvPr id="10" name="PlaceHolder 2"/>
+          <p:cNvPr id="12" name="PlaceHolder 2"/>
           <p:cNvSpPr>
             <a:spLocks noGrp="1"/>
           </p:cNvSpPr>
@@ -1019,7 +1019,7 @@
       </p:sp>
       <p:sp>
         <p:nvSpPr>
-          <p:cNvPr id="11" name="PlaceHolder 3"/>
+          <p:cNvPr id="13" name="PlaceHolder 3"/>
           <p:cNvSpPr>
             <a:spLocks noGrp="1"/>
           </p:cNvSpPr>
@@ -1049,7 +1049,7 @@
       </p:sp>
       <p:sp>
         <p:nvSpPr>
-          <p:cNvPr id="12" name="PlaceHolder 4"/>
+          <p:cNvPr id="14" name="PlaceHolder 4"/>
           <p:cNvSpPr>
             <a:spLocks noGrp="1"/>
           </p:cNvSpPr>
@@ -1101,7 +1101,7 @@
       </p:grpSpPr>
       <p:sp>
         <p:nvSpPr>
-          <p:cNvPr id="13" name="PlaceHolder 1"/>
+          <p:cNvPr id="15" name="PlaceHolder 1"/>
           <p:cNvSpPr>
             <a:spLocks noGrp="1"/>
           </p:cNvSpPr>
@@ -1132,7 +1132,7 @@
       </p:sp>
       <p:sp>
         <p:nvSpPr>
-          <p:cNvPr id="14" name="PlaceHolder 2"/>
+          <p:cNvPr id="16" name="PlaceHolder 2"/>
           <p:cNvSpPr>
             <a:spLocks noGrp="1"/>
           </p:cNvSpPr>
@@ -1162,7 +1162,7 @@
       </p:sp>
       <p:sp>
         <p:nvSpPr>
-          <p:cNvPr id="15" name="PlaceHolder 3"/>
+          <p:cNvPr id="17" name="PlaceHolder 3"/>
           <p:cNvSpPr>
             <a:spLocks noGrp="1"/>
           </p:cNvSpPr>
@@ -1192,7 +1192,7 @@
       </p:sp>
       <p:sp>
         <p:nvSpPr>
-          <p:cNvPr id="16" name="PlaceHolder 4"/>
+          <p:cNvPr id="18" name="PlaceHolder 4"/>
           <p:cNvSpPr>
             <a:spLocks noGrp="1"/>
           </p:cNvSpPr>
@@ -1244,7 +1244,7 @@
       </p:grpSpPr>
       <p:sp>
         <p:nvSpPr>
-          <p:cNvPr id="17" name="PlaceHolder 1"/>
+          <p:cNvPr id="19" name="PlaceHolder 1"/>
           <p:cNvSpPr>
             <a:spLocks noGrp="1"/>
           </p:cNvSpPr>
@@ -1275,7 +1275,7 @@
       </p:sp>
       <p:sp>
         <p:nvSpPr>
-          <p:cNvPr id="18" name="PlaceHolder 2"/>
+          <p:cNvPr id="20" name="PlaceHolder 2"/>
           <p:cNvSpPr>
             <a:spLocks noGrp="1"/>
           </p:cNvSpPr>
@@ -1305,7 +1305,7 @@
       </p:sp>
       <p:sp>
         <p:nvSpPr>
-          <p:cNvPr id="19" name="PlaceHolder 3"/>
+          <p:cNvPr id="21" name="PlaceHolder 3"/>
           <p:cNvSpPr>
             <a:spLocks noGrp="1"/>
           </p:cNvSpPr>
@@ -1335,7 +1335,7 @@
       </p:sp>
       <p:sp>
         <p:nvSpPr>
-          <p:cNvPr id="20" name="PlaceHolder 4"/>
+          <p:cNvPr id="22" name="PlaceHolder 4"/>
           <p:cNvSpPr>
             <a:spLocks noGrp="1"/>
           </p:cNvSpPr>
@@ -1392,6 +1392,222 @@
           <a:chExt cx="0" cy="0"/>
         </a:xfrm>
       </p:grpSpPr>
+      <p:sp>
+        <p:nvSpPr>
+          <p:cNvPr id="0" name="PlaceHolder 1"/>
+          <p:cNvSpPr>
+            <a:spLocks noGrp="1"/>
+          </p:cNvSpPr>
+          <p:nvPr>
+            <p:ph type="title"/>
+          </p:nvPr>
+        </p:nvSpPr>
+        <p:spPr>
+          <a:xfrm>
+            <a:off x="457200" y="205200"/>
+            <a:ext cx="8229240" cy="858600"/>
+          </a:xfrm>
+          <a:prstGeom prst="rect">
+            <a:avLst/>
+          </a:prstGeom>
+        </p:spPr>
+        <p:txBody>
+          <a:bodyPr lIns="0" rIns="0" tIns="0" bIns="0" anchor="ctr">
+            <a:noAutofit/>
+          </a:bodyPr>
+          <a:p>
+            <a:pPr algn="ctr"/>
+            <a:r>
+              <a:rPr b="0" lang="en-US" sz="4400" spc="-1" strike="noStrike">
+                <a:latin typeface="Arial"/>
+              </a:rPr>
+              <a:t>Click to edit the title text format</a:t>
+            </a:r>
+            <a:endParaRPr b="0" lang="en-US" sz="4400" spc="-1" strike="noStrike">
+              <a:latin typeface="Arial"/>
+            </a:endParaRPr>
+          </a:p>
+        </p:txBody>
+      </p:sp>
+      <p:sp>
+        <p:nvSpPr>
+          <p:cNvPr id="1" name="PlaceHolder 2"/>
+          <p:cNvSpPr>
+            <a:spLocks noGrp="1"/>
+          </p:cNvSpPr>
+          <p:nvPr>
+            <p:ph type="body"/>
+          </p:nvPr>
+        </p:nvSpPr>
+        <p:spPr>
+          <a:xfrm>
+            <a:off x="457200" y="1203480"/>
+            <a:ext cx="8229240" cy="2982960"/>
+          </a:xfrm>
+          <a:prstGeom prst="rect">
+            <a:avLst/>
+          </a:prstGeom>
+        </p:spPr>
+        <p:txBody>
+          <a:bodyPr lIns="0" rIns="0" tIns="0" bIns="0">
+            <a:normAutofit/>
+          </a:bodyPr>
+          <a:p>
+            <a:pPr marL="432000" indent="-324000">
+              <a:spcBef>
+                <a:spcPts val="1417"/>
+              </a:spcBef>
+              <a:buClr>
+                <a:srgbClr val="000000"/>
+              </a:buClr>
+              <a:buSzPct val="45000"/>
+              <a:buFont typeface="Wingdings" charset="2"/>
+              <a:buChar char=""/>
+            </a:pPr>
+            <a:r>
+              <a:rPr b="0" lang="en-US" sz="3200" spc="-1" strike="noStrike">
+                <a:latin typeface="Arial"/>
+              </a:rPr>
+              <a:t>Click to edit the outline text format</a:t>
+            </a:r>
+            <a:endParaRPr b="0" lang="en-US" sz="3200" spc="-1" strike="noStrike">
+              <a:latin typeface="Arial"/>
+            </a:endParaRPr>
+          </a:p>
+          <a:p>
+            <a:pPr lvl="1" marL="864000" indent="-324000">
+              <a:spcBef>
+                <a:spcPts val="1134"/>
+              </a:spcBef>
+              <a:buClr>
+                <a:srgbClr val="000000"/>
+              </a:buClr>
+              <a:buSzPct val="75000"/>
+              <a:buFont typeface="Symbol" charset="2"/>
+              <a:buChar char=""/>
+            </a:pPr>
+            <a:r>
+              <a:rPr b="0" lang="en-US" sz="2800" spc="-1" strike="noStrike">
+                <a:latin typeface="Arial"/>
+              </a:rPr>
+              <a:t>Second Outline Level</a:t>
+            </a:r>
+            <a:endParaRPr b="0" lang="en-US" sz="2800" spc="-1" strike="noStrike">
+              <a:latin typeface="Arial"/>
+            </a:endParaRPr>
+          </a:p>
+          <a:p>
+            <a:pPr lvl="2" marL="1296000" indent="-288000">
+              <a:spcBef>
+                <a:spcPts val="850"/>
+              </a:spcBef>
+              <a:buClr>
+                <a:srgbClr val="000000"/>
+              </a:buClr>
+              <a:buSzPct val="45000"/>
+              <a:buFont typeface="Wingdings" charset="2"/>
+              <a:buChar char=""/>
+            </a:pPr>
+            <a:r>
+              <a:rPr b="0" lang="en-US" sz="2400" spc="-1" strike="noStrike">
+                <a:latin typeface="Arial"/>
+              </a:rPr>
+              <a:t>Third Outline Level</a:t>
+            </a:r>
+            <a:endParaRPr b="0" lang="en-US" sz="2400" spc="-1" strike="noStrike">
+              <a:latin typeface="Arial"/>
+            </a:endParaRPr>
+          </a:p>
+          <a:p>
+            <a:pPr lvl="3" marL="1728000" indent="-216000">
+              <a:spcBef>
+                <a:spcPts val="567"/>
+              </a:spcBef>
+              <a:buClr>
+                <a:srgbClr val="000000"/>
+              </a:buClr>
+              <a:buSzPct val="75000"/>
+              <a:buFont typeface="Symbol" charset="2"/>
+              <a:buChar char=""/>
+            </a:pPr>
+            <a:r>
+              <a:rPr b="0" lang="en-US" sz="2000" spc="-1" strike="noStrike">
+                <a:latin typeface="Arial"/>
+              </a:rPr>
+              <a:t>Fourth Outline Level</a:t>
+            </a:r>
+            <a:endParaRPr b="0" lang="en-US" sz="2000" spc="-1" strike="noStrike">
+              <a:latin typeface="Arial"/>
+            </a:endParaRPr>
+          </a:p>
+          <a:p>
+            <a:pPr lvl="4" marL="2160000" indent="-216000">
+              <a:spcBef>
+                <a:spcPts val="283"/>
+              </a:spcBef>
+              <a:buClr>
+                <a:srgbClr val="000000"/>
+              </a:buClr>
+              <a:buSzPct val="45000"/>
+              <a:buFont typeface="Wingdings" charset="2"/>
+              <a:buChar char=""/>
+            </a:pPr>
+            <a:r>
+              <a:rPr b="0" lang="en-US" sz="2000" spc="-1" strike="noStrike">
+                <a:latin typeface="Arial"/>
+              </a:rPr>
+              <a:t>Fifth Outline Level</a:t>
+            </a:r>
+            <a:endParaRPr b="0" lang="en-US" sz="2000" spc="-1" strike="noStrike">
+              <a:latin typeface="Arial"/>
+            </a:endParaRPr>
+          </a:p>
+          <a:p>
+            <a:pPr lvl="5" marL="2592000" indent="-216000">
+              <a:spcBef>
+                <a:spcPts val="283"/>
+              </a:spcBef>
+              <a:buClr>
+                <a:srgbClr val="000000"/>
+              </a:buClr>
+              <a:buSzPct val="45000"/>
+              <a:buFont typeface="Wingdings" charset="2"/>
+              <a:buChar char=""/>
+            </a:pPr>
+            <a:r>
+              <a:rPr b="0" lang="en-US" sz="2000" spc="-1" strike="noStrike">
+                <a:latin typeface="Arial"/>
+              </a:rPr>
+              <a:t>Sixth Outline Level</a:t>
+            </a:r>
+            <a:endParaRPr b="0" lang="en-US" sz="2000" spc="-1" strike="noStrike">
+              <a:latin typeface="Arial"/>
+            </a:endParaRPr>
+          </a:p>
+          <a:p>
+            <a:pPr lvl="6" marL="3024000" indent="-216000">
+              <a:spcBef>
+                <a:spcPts val="283"/>
+              </a:spcBef>
+              <a:buClr>
+                <a:srgbClr val="000000"/>
+              </a:buClr>
+              <a:buSzPct val="45000"/>
+              <a:buFont typeface="Wingdings" charset="2"/>
+              <a:buChar char=""/>
+            </a:pPr>
+            <a:r>
+              <a:rPr b="0" lang="en-US" sz="2000" spc="-1" strike="noStrike">
+                <a:latin typeface="Arial"/>
+              </a:rPr>
+              <a:t>Seventh Outline Level</a:t>
+            </a:r>
+            <a:endParaRPr b="0" lang="en-US" sz="2000" spc="-1" strike="noStrike">
+              <a:latin typeface="Arial"/>
+            </a:endParaRPr>
+          </a:p>
+        </p:txBody>
+      </p:sp>
     </p:spTree>
   </p:cSld>
   <p:clrMap bg1="lt1" bg2="lt2" tx1="dk1" tx2="dk2" accent1="accent1" accent2="accent2" accent3="accent3" accent4="accent4" accent5="accent5" accent6="accent6" hlink="hlink" folHlink="folHlink"/>
@@ -1431,14 +1647,14 @@
       </p:grpSpPr>
       <p:sp>
         <p:nvSpPr>
-          <p:cNvPr id="36" name="awardData"/>
+          <p:cNvPr id="38" name="awardData"/>
           <p:cNvSpPr/>
           <p:nvPr/>
         </p:nvSpPr>
         <p:spPr>
           <a:xfrm>
             <a:off x="1452960" y="1629720"/>
-            <a:ext cx="6179040" cy="2376720"/>
+            <a:ext cx="6178680" cy="2376360"/>
           </a:xfrm>
           <a:prstGeom prst="rect">
             <a:avLst/>
@@ -1567,7 +1783,7 @@
                 <a:latin typeface="Cambria"/>
                 <a:ea typeface="Cambria"/>
               </a:rPr>
-              <a:t>2024</a:t>
+              <a:t>2025</a:t>
             </a:r>
             <a:endParaRPr b="0" lang="en-US" sz="2100" spc="-1" strike="noStrike">
               <a:latin typeface="Arial"/>
@@ -1600,14 +1816,14 @@
       </p:sp>
       <p:sp>
         <p:nvSpPr>
-          <p:cNvPr id="37" name="Google Shape;61;p14"/>
+          <p:cNvPr id="39" name="Google Shape;61;p14"/>
           <p:cNvSpPr/>
           <p:nvPr/>
         </p:nvSpPr>
         <p:spPr>
           <a:xfrm>
             <a:off x="2118240" y="4561200"/>
-            <a:ext cx="4906080" cy="360"/>
+            <a:ext cx="4905720" cy="360"/>
           </a:xfrm>
           <a:custGeom>
             <a:avLst/>
@@ -1642,7 +1858,7 @@
       </p:sp>
       <p:pic>
         <p:nvPicPr>
-          <p:cNvPr id="38" name="Google Shape;62;p14" descr=""/>
+          <p:cNvPr id="40" name="Google Shape;62;p14" descr=""/>
           <p:cNvPicPr/>
           <p:nvPr/>
         </p:nvPicPr>
@@ -1653,7 +1869,7 @@
         <p:spPr>
           <a:xfrm>
             <a:off x="3719160" y="129240"/>
-            <a:ext cx="1704600" cy="1550880"/>
+            <a:ext cx="1704240" cy="1550520"/>
           </a:xfrm>
           <a:prstGeom prst="rect">
             <a:avLst/>
@@ -1665,7 +1881,7 @@
       </p:pic>
       <p:pic>
         <p:nvPicPr>
-          <p:cNvPr id="39" name="Google Shape;63;p14" descr=""/>
+          <p:cNvPr id="41" name="Google Shape;63;p14" descr=""/>
           <p:cNvPicPr/>
           <p:nvPr/>
         </p:nvPicPr>
@@ -1676,7 +1892,7 @@
         <p:spPr>
           <a:xfrm>
             <a:off x="457200" y="2086920"/>
-            <a:ext cx="1341720" cy="1341720"/>
+            <a:ext cx="1341360" cy="1341360"/>
           </a:xfrm>
           <a:prstGeom prst="rect">
             <a:avLst/>
